--- a/Introduction/课堂展示/项目需求说明书.pptx
+++ b/Introduction/课堂展示/项目需求说明书.pptx
@@ -5,24 +5,28 @@
     <p:sldMasterId id="2147483648" r:id="rId1"/>
   </p:sldMasterIdLst>
   <p:notesMasterIdLst>
-    <p:notesMasterId r:id="rId17"/>
+    <p:notesMasterId r:id="rId21"/>
   </p:notesMasterIdLst>
   <p:sldIdLst>
     <p:sldId id="256" r:id="rId2"/>
     <p:sldId id="261" r:id="rId3"/>
     <p:sldId id="258" r:id="rId4"/>
-    <p:sldId id="259" r:id="rId5"/>
-    <p:sldId id="262" r:id="rId6"/>
-    <p:sldId id="284" r:id="rId7"/>
-    <p:sldId id="278" r:id="rId8"/>
-    <p:sldId id="283" r:id="rId9"/>
-    <p:sldId id="281" r:id="rId10"/>
-    <p:sldId id="285" r:id="rId11"/>
-    <p:sldId id="286" r:id="rId12"/>
-    <p:sldId id="287" r:id="rId13"/>
-    <p:sldId id="288" r:id="rId14"/>
-    <p:sldId id="289" r:id="rId15"/>
-    <p:sldId id="263" r:id="rId16"/>
+    <p:sldId id="293" r:id="rId5"/>
+    <p:sldId id="292" r:id="rId6"/>
+    <p:sldId id="291" r:id="rId7"/>
+    <p:sldId id="290" r:id="rId8"/>
+    <p:sldId id="259" r:id="rId9"/>
+    <p:sldId id="262" r:id="rId10"/>
+    <p:sldId id="284" r:id="rId11"/>
+    <p:sldId id="278" r:id="rId12"/>
+    <p:sldId id="283" r:id="rId13"/>
+    <p:sldId id="281" r:id="rId14"/>
+    <p:sldId id="285" r:id="rId15"/>
+    <p:sldId id="286" r:id="rId16"/>
+    <p:sldId id="287" r:id="rId17"/>
+    <p:sldId id="288" r:id="rId18"/>
+    <p:sldId id="289" r:id="rId19"/>
+    <p:sldId id="263" r:id="rId20"/>
   </p:sldIdLst>
   <p:sldSz cx="12192000" cy="6858000"/>
   <p:notesSz cx="6858000" cy="9144000"/>
@@ -11240,6 +11244,42 @@
         </a:p>
       </dgm:t>
     </dgm:pt>
+    <dgm:pt modelId="{61B84F21-9CEB-47E6-893C-BA526439FEC1}">
+      <dgm:prSet phldrT="[文本]" custT="1"/>
+      <dgm:spPr/>
+      <dgm:t>
+        <a:bodyPr/>
+        <a:lstStyle/>
+        <a:p>
+          <a:r>
+            <a:rPr lang="zh-CN" altLang="en-US" sz="2000" dirty="0"/>
+            <a:t>游戏资源获取与设计</a:t>
+          </a:r>
+        </a:p>
+      </dgm:t>
+    </dgm:pt>
+    <dgm:pt modelId="{AAA1B27F-E962-4D06-B5A1-212F830D2807}" type="parTrans" cxnId="{94357257-3FF1-4440-B97D-E5CC99FF3BD0}">
+      <dgm:prSet/>
+      <dgm:spPr/>
+      <dgm:t>
+        <a:bodyPr/>
+        <a:lstStyle/>
+        <a:p>
+          <a:endParaRPr lang="zh-CN" altLang="en-US"/>
+        </a:p>
+      </dgm:t>
+    </dgm:pt>
+    <dgm:pt modelId="{CAEE62F1-2C6C-4C7C-83CF-C822601F95B1}" type="sibTrans" cxnId="{94357257-3FF1-4440-B97D-E5CC99FF3BD0}">
+      <dgm:prSet/>
+      <dgm:spPr/>
+      <dgm:t>
+        <a:bodyPr/>
+        <a:lstStyle/>
+        <a:p>
+          <a:endParaRPr lang="zh-CN" altLang="en-US"/>
+        </a:p>
+      </dgm:t>
+    </dgm:pt>
     <dgm:pt modelId="{90CBC4A0-F3DF-492A-89FF-33CFF9E39950}" type="pres">
       <dgm:prSet presAssocID="{EB73D896-D644-43F5-B1D2-4E53419732E7}" presName="Name0" presStyleCnt="0">
         <dgm:presLayoutVars>
@@ -11334,6 +11374,7 @@
     <dgm:cxn modelId="{4D64C562-709D-4A58-B6BA-F97C51AE6465}" type="presOf" srcId="{25224F88-8DFA-4E35-9F7A-F69BBC14AEBC}" destId="{D5B00C9F-9704-4C41-9484-3CB9F3713308}" srcOrd="0" destOrd="2" presId="urn:microsoft.com/office/officeart/2005/8/layout/vList5"/>
     <dgm:cxn modelId="{C66F1D6C-DA94-4F1D-B262-2305170F035C}" srcId="{EB73D896-D644-43F5-B1D2-4E53419732E7}" destId="{E1137779-50ED-4482-86A4-113CD98B2CE8}" srcOrd="1" destOrd="0" parTransId="{ED6610F1-22A7-4C21-9AC4-1D4D0C42291A}" sibTransId="{14852D75-A55A-4CF8-8042-D3FD7F335D8A}"/>
     <dgm:cxn modelId="{5F3F7B55-B03A-4560-B87D-1CC3AFEDBA1E}" type="presOf" srcId="{E1137779-50ED-4482-86A4-113CD98B2CE8}" destId="{9D83F548-E105-4F2F-A530-9047F039D106}" srcOrd="0" destOrd="0" presId="urn:microsoft.com/office/officeart/2005/8/layout/vList5"/>
+    <dgm:cxn modelId="{94357257-3FF1-4440-B97D-E5CC99FF3BD0}" srcId="{D88EBD81-3548-45CB-A297-5C363CED66D6}" destId="{61B84F21-9CEB-47E6-893C-BA526439FEC1}" srcOrd="2" destOrd="0" parTransId="{AAA1B27F-E962-4D06-B5A1-212F830D2807}" sibTransId="{CAEE62F1-2C6C-4C7C-83CF-C822601F95B1}"/>
     <dgm:cxn modelId="{CA10F979-0DA2-4EC3-B87C-6C0A17FD9A0A}" srcId="{DC41A906-F25C-4428-B060-3C46EE5724BF}" destId="{25224F88-8DFA-4E35-9F7A-F69BBC14AEBC}" srcOrd="2" destOrd="0" parTransId="{C512C3CF-49C2-4D71-8DD5-1A51FBAA9D43}" sibTransId="{FF1C3C87-D4B4-4FDA-8D5C-FD28352D0B17}"/>
     <dgm:cxn modelId="{BD35AC80-8045-464E-9885-42105B69D5B4}" type="presOf" srcId="{D88EBD81-3548-45CB-A297-5C363CED66D6}" destId="{F35B0ACB-7B48-48FE-B7BB-BD5699CD84E7}" srcOrd="0" destOrd="0" presId="urn:microsoft.com/office/officeart/2005/8/layout/vList5"/>
     <dgm:cxn modelId="{70E98582-BA11-4D4C-BB95-48C2468FA0A7}" type="presOf" srcId="{149FF6AA-9501-496F-ADEC-76AA4A6CFDC6}" destId="{D5B00C9F-9704-4C41-9484-3CB9F3713308}" srcOrd="0" destOrd="0" presId="urn:microsoft.com/office/officeart/2005/8/layout/vList5"/>
@@ -11346,6 +11387,7 @@
     <dgm:cxn modelId="{D415A4B4-6CDE-40F5-868F-9E4636AD4310}" srcId="{E1137779-50ED-4482-86A4-113CD98B2CE8}" destId="{DBBE3C7A-A7D4-40BA-8F8F-75D632B47ABF}" srcOrd="0" destOrd="0" parTransId="{C003AD22-0BB5-4BE6-93B6-6296D6D3A99E}" sibTransId="{6ACB44D6-98D1-478F-9DE5-02D61249DAEB}"/>
     <dgm:cxn modelId="{7B759CC0-6D1B-4061-AC91-A078C1B34963}" type="presOf" srcId="{CC19238E-6841-4659-BFC2-809C5DC64543}" destId="{08A0F258-ABEB-4636-B10D-8DD40D4FDB77}" srcOrd="0" destOrd="2" presId="urn:microsoft.com/office/officeart/2005/8/layout/vList5"/>
     <dgm:cxn modelId="{4868AFC9-EF25-4102-A797-7C985C28A11F}" type="presOf" srcId="{EB73D896-D644-43F5-B1D2-4E53419732E7}" destId="{90CBC4A0-F3DF-492A-89FF-33CFF9E39950}" srcOrd="0" destOrd="0" presId="urn:microsoft.com/office/officeart/2005/8/layout/vList5"/>
+    <dgm:cxn modelId="{69C4EED1-EF2F-4D9F-9E42-60EF046705F7}" type="presOf" srcId="{61B84F21-9CEB-47E6-893C-BA526439FEC1}" destId="{D9C38B72-B742-4163-B0B9-6CA364CED499}" srcOrd="0" destOrd="2" presId="urn:microsoft.com/office/officeart/2005/8/layout/vList5"/>
     <dgm:cxn modelId="{FF0A22FB-4B36-43F5-9551-74EEF00366C1}" type="presOf" srcId="{27E68906-9D59-4EFF-AEAE-3E80A5B5AABB}" destId="{D5B00C9F-9704-4C41-9484-3CB9F3713308}" srcOrd="0" destOrd="1" presId="urn:microsoft.com/office/officeart/2005/8/layout/vList5"/>
     <dgm:cxn modelId="{F5DE88FE-A17C-42CD-A3D0-756F801C5152}" srcId="{D88EBD81-3548-45CB-A297-5C363CED66D6}" destId="{67B56EAF-9C6A-4964-B1F0-4557AB48ED91}" srcOrd="1" destOrd="0" parTransId="{0A362CD0-92E3-44F6-B07A-9F0A973CC9A1}" sibTransId="{3B896670-709D-4686-8CA0-CEB16723609D}"/>
     <dgm:cxn modelId="{5CDAF224-E386-49F8-9D8D-2E5D219FB64A}" type="presParOf" srcId="{90CBC4A0-F3DF-492A-89FF-33CFF9E39950}" destId="{1809454C-AF4B-42E6-8F38-B0DEDD398A2D}" srcOrd="0" destOrd="0" presId="urn:microsoft.com/office/officeart/2005/8/layout/vList5"/>
@@ -15044,10 +15086,9 @@
             <a:buNone/>
           </a:pPr>
           <a:r>
-            <a:rPr lang="zh-CN" sz="2900" kern="1200" dirty="0"/>
+            <a:rPr lang="zh-CN" altLang="en-US" sz="2900" kern="1200" dirty="0"/>
             <a:t>特殊设计</a:t>
           </a:r>
-          <a:endParaRPr lang="zh-CN" altLang="en-US" sz="2900" kern="1200" dirty="0"/>
         </a:p>
       </dsp:txBody>
       <dsp:txXfrm>
@@ -15124,10 +15165,9 @@
             <a:buNone/>
           </a:pPr>
           <a:r>
-            <a:rPr lang="zh-CN" sz="2600" kern="1200" dirty="0"/>
+            <a:rPr lang="zh-CN" altLang="en-US" sz="2600" kern="1200" dirty="0"/>
             <a:t>特殊怪物</a:t>
           </a:r>
-          <a:endParaRPr lang="zh-CN" altLang="en-US" sz="2600" kern="1200" dirty="0"/>
         </a:p>
       </dsp:txBody>
       <dsp:txXfrm>
@@ -15604,10 +15644,9 @@
             <a:buNone/>
           </a:pPr>
           <a:r>
-            <a:rPr lang="zh-CN" sz="2600" kern="1200" dirty="0"/>
+            <a:rPr lang="zh-CN" altLang="en-US" sz="2600" kern="1200" dirty="0"/>
             <a:t>特殊防御塔</a:t>
           </a:r>
-          <a:endParaRPr lang="zh-CN" altLang="en-US" sz="2600" kern="1200" dirty="0"/>
         </a:p>
       </dsp:txBody>
       <dsp:txXfrm>
@@ -21588,6 +21627,24 @@
             <a:t>项目需求说明书</a:t>
           </a:r>
         </a:p>
+        <a:p>
+          <a:pPr marL="228600" lvl="1" indent="-228600" algn="l" defTabSz="889000">
+            <a:lnSpc>
+              <a:spcPct val="90000"/>
+            </a:lnSpc>
+            <a:spcBef>
+              <a:spcPct val="0"/>
+            </a:spcBef>
+            <a:spcAft>
+              <a:spcPct val="15000"/>
+            </a:spcAft>
+            <a:buChar char="•"/>
+          </a:pPr>
+          <a:r>
+            <a:rPr lang="zh-CN" altLang="en-US" sz="2000" kern="1200" dirty="0"/>
+            <a:t>游戏资源获取与设计</a:t>
+          </a:r>
+        </a:p>
       </dsp:txBody>
       <dsp:txXfrm rot="-5400000">
         <a:off x="2926079" y="3912592"/>
@@ -31258,7 +31315,7 @@
           <a:p>
             <a:fld id="{B98B0A11-3D62-4606-A6CF-01D98BDA7E39}" type="slidenum">
               <a:rPr lang="zh-CN" altLang="en-US" smtClean="0"/>
-              <a:t>15</a:t>
+              <a:t>19</a:t>
             </a:fld>
             <a:endParaRPr lang="zh-CN" altLang="en-US"/>
           </a:p>
@@ -34757,6 +34814,692 @@
       <p:sp>
         <p:nvSpPr>
           <p:cNvPr id="2" name="流程图: 文档 1">
+            <a:extLst>
+              <a:ext uri="{FF2B5EF4-FFF2-40B4-BE49-F238E27FC236}">
+                <a16:creationId xmlns:a16="http://schemas.microsoft.com/office/drawing/2014/main" id="{E7F3B460-7E03-45E9-B468-FABC6096DA22}"/>
+              </a:ext>
+            </a:extLst>
+          </p:cNvPr>
+          <p:cNvSpPr/>
+          <p:nvPr/>
+        </p:nvSpPr>
+        <p:spPr>
+          <a:xfrm>
+            <a:off x="204280" y="204281"/>
+            <a:ext cx="1118681" cy="1079770"/>
+          </a:xfrm>
+          <a:prstGeom prst="flowChartDocument">
+            <a:avLst/>
+          </a:prstGeom>
+          <a:gradFill flip="none" rotWithShape="1">
+            <a:gsLst>
+              <a:gs pos="0">
+                <a:schemeClr val="accent5">
+                  <a:lumMod val="67000"/>
+                </a:schemeClr>
+              </a:gs>
+              <a:gs pos="48000">
+                <a:schemeClr val="accent5">
+                  <a:lumMod val="97000"/>
+                  <a:lumOff val="3000"/>
+                </a:schemeClr>
+              </a:gs>
+              <a:gs pos="100000">
+                <a:schemeClr val="accent5">
+                  <a:lumMod val="60000"/>
+                  <a:lumOff val="40000"/>
+                </a:schemeClr>
+              </a:gs>
+            </a:gsLst>
+            <a:lin ang="16200000" scaled="1"/>
+            <a:tileRect/>
+          </a:gradFill>
+          <a:ln>
+            <a:noFill/>
+          </a:ln>
+        </p:spPr>
+        <p:style>
+          <a:lnRef idx="0">
+            <a:scrgbClr r="0" g="0" b="0"/>
+          </a:lnRef>
+          <a:fillRef idx="0">
+            <a:scrgbClr r="0" g="0" b="0"/>
+          </a:fillRef>
+          <a:effectRef idx="0">
+            <a:scrgbClr r="0" g="0" b="0"/>
+          </a:effectRef>
+          <a:fontRef idx="minor">
+            <a:schemeClr val="lt1"/>
+          </a:fontRef>
+        </p:style>
+        <p:txBody>
+          <a:bodyPr rtlCol="0" anchor="ctr"/>
+          <a:lstStyle/>
+          <a:p>
+            <a:pPr algn="ctr"/>
+            <a:r>
+              <a:rPr lang="zh-CN" altLang="en-US" sz="2600" dirty="0"/>
+              <a:t>游戏设计</a:t>
+            </a:r>
+          </a:p>
+        </p:txBody>
+      </p:sp>
+      <p:sp>
+        <p:nvSpPr>
+          <p:cNvPr id="5" name="箭头: 右 4">
+            <a:extLst>
+              <a:ext uri="{FF2B5EF4-FFF2-40B4-BE49-F238E27FC236}">
+                <a16:creationId xmlns:a16="http://schemas.microsoft.com/office/drawing/2014/main" id="{1F1594AC-E28F-4B7C-AA47-DB6352E056D5}"/>
+              </a:ext>
+            </a:extLst>
+          </p:cNvPr>
+          <p:cNvSpPr/>
+          <p:nvPr/>
+        </p:nvSpPr>
+        <p:spPr>
+          <a:xfrm>
+            <a:off x="1937132" y="204281"/>
+            <a:ext cx="9173184" cy="890081"/>
+          </a:xfrm>
+          <a:prstGeom prst="rightArrow">
+            <a:avLst/>
+          </a:prstGeom>
+        </p:spPr>
+        <p:style>
+          <a:lnRef idx="2">
+            <a:schemeClr val="accent2"/>
+          </a:lnRef>
+          <a:fillRef idx="1">
+            <a:schemeClr val="lt1"/>
+          </a:fillRef>
+          <a:effectRef idx="0">
+            <a:schemeClr val="accent2"/>
+          </a:effectRef>
+          <a:fontRef idx="minor">
+            <a:schemeClr val="dk1"/>
+          </a:fontRef>
+        </p:style>
+        <p:txBody>
+          <a:bodyPr rtlCol="0" anchor="ctr"/>
+          <a:lstStyle/>
+          <a:p>
+            <a:pPr algn="ctr"/>
+            <a:r>
+              <a:rPr lang="zh-CN" altLang="en-US" sz="2400" dirty="0">
+                <a:solidFill>
+                  <a:srgbClr val="C00000"/>
+                </a:solidFill>
+                <a:latin typeface="微软雅黑" panose="020B0503020204020204" pitchFamily="34" charset="-122"/>
+                <a:ea typeface="微软雅黑" panose="020B0503020204020204" pitchFamily="34" charset="-122"/>
+              </a:rPr>
+              <a:t>特殊设计</a:t>
+            </a:r>
+          </a:p>
+        </p:txBody>
+      </p:sp>
+      <p:graphicFrame>
+        <p:nvGraphicFramePr>
+          <p:cNvPr id="3" name="图示 2">
+            <a:extLst>
+              <a:ext uri="{FF2B5EF4-FFF2-40B4-BE49-F238E27FC236}">
+                <a16:creationId xmlns:a16="http://schemas.microsoft.com/office/drawing/2014/main" id="{B0CA91D9-216D-4E86-93CD-05A17C99D525}"/>
+              </a:ext>
+            </a:extLst>
+          </p:cNvPr>
+          <p:cNvGraphicFramePr/>
+          <p:nvPr>
+            <p:extLst>
+              <p:ext uri="{D42A27DB-BD31-4B8C-83A1-F6EECF244321}">
+                <p14:modId xmlns:p14="http://schemas.microsoft.com/office/powerpoint/2010/main" val="1073991639"/>
+              </p:ext>
+            </p:extLst>
+          </p:nvPr>
+        </p:nvGraphicFramePr>
+        <p:xfrm>
+          <a:off x="1782147" y="1101755"/>
+          <a:ext cx="9007497" cy="5388733"/>
+        </p:xfrm>
+        <a:graphic>
+          <a:graphicData uri="http://schemas.openxmlformats.org/drawingml/2006/diagram">
+            <dgm:relIds xmlns:dgm="http://schemas.openxmlformats.org/drawingml/2006/diagram" xmlns:r="http://schemas.openxmlformats.org/officeDocument/2006/relationships" r:dm="rId2" r:lo="rId3" r:qs="rId4" r:cs="rId5"/>
+          </a:graphicData>
+        </a:graphic>
+      </p:graphicFrame>
+    </p:spTree>
+    <p:extLst>
+      <p:ext uri="{BB962C8B-B14F-4D97-AF65-F5344CB8AC3E}">
+        <p14:creationId xmlns:p14="http://schemas.microsoft.com/office/powerpoint/2010/main" val="3148130803"/>
+      </p:ext>
+    </p:extLst>
+  </p:cSld>
+  <p:clrMapOvr>
+    <a:masterClrMapping/>
+  </p:clrMapOvr>
+</p:sld>
+</file>
+
+<file path=ppt/slides/slide11.xml><?xml version="1.0" encoding="utf-8"?>
+<p:sld xmlns:a="http://schemas.openxmlformats.org/drawingml/2006/main" xmlns:r="http://schemas.openxmlformats.org/officeDocument/2006/relationships" xmlns:p="http://schemas.openxmlformats.org/presentationml/2006/main">
+  <p:cSld>
+    <p:spTree>
+      <p:nvGrpSpPr>
+        <p:cNvPr id="1" name=""/>
+        <p:cNvGrpSpPr/>
+        <p:nvPr/>
+      </p:nvGrpSpPr>
+      <p:grpSpPr>
+        <a:xfrm>
+          <a:off x="0" y="0"/>
+          <a:ext cx="0" cy="0"/>
+          <a:chOff x="0" y="0"/>
+          <a:chExt cx="0" cy="0"/>
+        </a:xfrm>
+      </p:grpSpPr>
+      <p:sp>
+        <p:nvSpPr>
+          <p:cNvPr id="2" name="流程图: 文档 1">
+            <a:extLst>
+              <a:ext uri="{FF2B5EF4-FFF2-40B4-BE49-F238E27FC236}">
+                <a16:creationId xmlns:a16="http://schemas.microsoft.com/office/drawing/2014/main" id="{E7F3B460-7E03-45E9-B468-FABC6096DA22}"/>
+              </a:ext>
+            </a:extLst>
+          </p:cNvPr>
+          <p:cNvSpPr/>
+          <p:nvPr/>
+        </p:nvSpPr>
+        <p:spPr>
+          <a:xfrm>
+            <a:off x="204280" y="204281"/>
+            <a:ext cx="1118681" cy="1079770"/>
+          </a:xfrm>
+          <a:prstGeom prst="flowChartDocument">
+            <a:avLst/>
+          </a:prstGeom>
+          <a:gradFill flip="none" rotWithShape="1">
+            <a:gsLst>
+              <a:gs pos="0">
+                <a:schemeClr val="accent5">
+                  <a:lumMod val="67000"/>
+                </a:schemeClr>
+              </a:gs>
+              <a:gs pos="48000">
+                <a:schemeClr val="accent5">
+                  <a:lumMod val="97000"/>
+                  <a:lumOff val="3000"/>
+                </a:schemeClr>
+              </a:gs>
+              <a:gs pos="100000">
+                <a:schemeClr val="accent5">
+                  <a:lumMod val="60000"/>
+                  <a:lumOff val="40000"/>
+                </a:schemeClr>
+              </a:gs>
+            </a:gsLst>
+            <a:lin ang="16200000" scaled="1"/>
+            <a:tileRect/>
+          </a:gradFill>
+          <a:ln>
+            <a:noFill/>
+          </a:ln>
+        </p:spPr>
+        <p:style>
+          <a:lnRef idx="0">
+            <a:scrgbClr r="0" g="0" b="0"/>
+          </a:lnRef>
+          <a:fillRef idx="0">
+            <a:scrgbClr r="0" g="0" b="0"/>
+          </a:fillRef>
+          <a:effectRef idx="0">
+            <a:scrgbClr r="0" g="0" b="0"/>
+          </a:effectRef>
+          <a:fontRef idx="minor">
+            <a:schemeClr val="lt1"/>
+          </a:fontRef>
+        </p:style>
+        <p:txBody>
+          <a:bodyPr rtlCol="0" anchor="ctr"/>
+          <a:lstStyle/>
+          <a:p>
+            <a:pPr algn="ctr"/>
+            <a:r>
+              <a:rPr lang="zh-CN" altLang="en-US" sz="2600" dirty="0"/>
+              <a:t>框架设计</a:t>
+            </a:r>
+          </a:p>
+        </p:txBody>
+      </p:sp>
+      <p:sp>
+        <p:nvSpPr>
+          <p:cNvPr id="5" name="箭头: 右 4">
+            <a:extLst>
+              <a:ext uri="{FF2B5EF4-FFF2-40B4-BE49-F238E27FC236}">
+                <a16:creationId xmlns:a16="http://schemas.microsoft.com/office/drawing/2014/main" id="{1F1594AC-E28F-4B7C-AA47-DB6352E056D5}"/>
+              </a:ext>
+            </a:extLst>
+          </p:cNvPr>
+          <p:cNvSpPr/>
+          <p:nvPr/>
+        </p:nvSpPr>
+        <p:spPr>
+          <a:xfrm>
+            <a:off x="1937132" y="204281"/>
+            <a:ext cx="9173184" cy="890081"/>
+          </a:xfrm>
+          <a:prstGeom prst="rightArrow">
+            <a:avLst/>
+          </a:prstGeom>
+        </p:spPr>
+        <p:style>
+          <a:lnRef idx="2">
+            <a:schemeClr val="accent2"/>
+          </a:lnRef>
+          <a:fillRef idx="1">
+            <a:schemeClr val="lt1"/>
+          </a:fillRef>
+          <a:effectRef idx="0">
+            <a:schemeClr val="accent2"/>
+          </a:effectRef>
+          <a:fontRef idx="minor">
+            <a:schemeClr val="dk1"/>
+          </a:fontRef>
+        </p:style>
+        <p:txBody>
+          <a:bodyPr rtlCol="0" anchor="ctr"/>
+          <a:lstStyle/>
+          <a:p>
+            <a:pPr algn="ctr"/>
+            <a:r>
+              <a:rPr lang="zh-CN" altLang="en-US" sz="2400" dirty="0">
+                <a:solidFill>
+                  <a:srgbClr val="C00000"/>
+                </a:solidFill>
+                <a:latin typeface="微软雅黑" panose="020B0503020204020204" pitchFamily="34" charset="-122"/>
+                <a:ea typeface="微软雅黑" panose="020B0503020204020204" pitchFamily="34" charset="-122"/>
+              </a:rPr>
+              <a:t>功能模块</a:t>
+            </a:r>
+          </a:p>
+        </p:txBody>
+      </p:sp>
+      <p:graphicFrame>
+        <p:nvGraphicFramePr>
+          <p:cNvPr id="6" name="图示 5">
+            <a:extLst>
+              <a:ext uri="{FF2B5EF4-FFF2-40B4-BE49-F238E27FC236}">
+                <a16:creationId xmlns:a16="http://schemas.microsoft.com/office/drawing/2014/main" id="{FC526D19-6128-42FC-AC93-34CF1EF5E896}"/>
+              </a:ext>
+            </a:extLst>
+          </p:cNvPr>
+          <p:cNvGraphicFramePr/>
+          <p:nvPr>
+            <p:extLst>
+              <p:ext uri="{D42A27DB-BD31-4B8C-83A1-F6EECF244321}">
+                <p14:modId xmlns:p14="http://schemas.microsoft.com/office/powerpoint/2010/main" val="170233397"/>
+              </p:ext>
+            </p:extLst>
+          </p:nvPr>
+        </p:nvGraphicFramePr>
+        <p:xfrm>
+          <a:off x="2073189" y="1094362"/>
+          <a:ext cx="8128000" cy="5418667"/>
+        </p:xfrm>
+        <a:graphic>
+          <a:graphicData uri="http://schemas.openxmlformats.org/drawingml/2006/diagram">
+            <dgm:relIds xmlns:dgm="http://schemas.openxmlformats.org/drawingml/2006/diagram" xmlns:r="http://schemas.openxmlformats.org/officeDocument/2006/relationships" r:dm="rId2" r:lo="rId3" r:qs="rId4" r:cs="rId5"/>
+          </a:graphicData>
+        </a:graphic>
+      </p:graphicFrame>
+    </p:spTree>
+    <p:extLst>
+      <p:ext uri="{BB962C8B-B14F-4D97-AF65-F5344CB8AC3E}">
+        <p14:creationId xmlns:p14="http://schemas.microsoft.com/office/powerpoint/2010/main" val="3340662291"/>
+      </p:ext>
+    </p:extLst>
+  </p:cSld>
+  <p:clrMapOvr>
+    <a:masterClrMapping/>
+  </p:clrMapOvr>
+</p:sld>
+</file>
+
+<file path=ppt/slides/slide12.xml><?xml version="1.0" encoding="utf-8"?>
+<p:sld xmlns:a="http://schemas.openxmlformats.org/drawingml/2006/main" xmlns:r="http://schemas.openxmlformats.org/officeDocument/2006/relationships" xmlns:p="http://schemas.openxmlformats.org/presentationml/2006/main">
+  <p:cSld>
+    <p:spTree>
+      <p:nvGrpSpPr>
+        <p:cNvPr id="1" name=""/>
+        <p:cNvGrpSpPr/>
+        <p:nvPr/>
+      </p:nvGrpSpPr>
+      <p:grpSpPr>
+        <a:xfrm>
+          <a:off x="0" y="0"/>
+          <a:ext cx="0" cy="0"/>
+          <a:chOff x="0" y="0"/>
+          <a:chExt cx="0" cy="0"/>
+        </a:xfrm>
+      </p:grpSpPr>
+      <p:pic>
+        <p:nvPicPr>
+          <p:cNvPr id="14" name="图片 13">
+            <a:extLst>
+              <a:ext uri="{FF2B5EF4-FFF2-40B4-BE49-F238E27FC236}">
+                <a16:creationId xmlns:a16="http://schemas.microsoft.com/office/drawing/2014/main" id="{603F457C-4D2A-4427-BF02-54CCBA25E980}"/>
+              </a:ext>
+            </a:extLst>
+          </p:cNvPr>
+          <p:cNvPicPr>
+            <a:picLocks noChangeAspect="1"/>
+          </p:cNvPicPr>
+          <p:nvPr/>
+        </p:nvPicPr>
+        <p:blipFill>
+          <a:blip r:embed="rId2"/>
+          <a:stretch>
+            <a:fillRect/>
+          </a:stretch>
+        </p:blipFill>
+        <p:spPr>
+          <a:xfrm>
+            <a:off x="1638300" y="571500"/>
+            <a:ext cx="8915400" cy="5715000"/>
+          </a:xfrm>
+          <a:prstGeom prst="rect">
+            <a:avLst/>
+          </a:prstGeom>
+        </p:spPr>
+      </p:pic>
+      <p:sp>
+        <p:nvSpPr>
+          <p:cNvPr id="15" name="流程图: 文档 14">
+            <a:hlinkClick r:id="" action="ppaction://noaction"/>
+            <a:extLst>
+              <a:ext uri="{FF2B5EF4-FFF2-40B4-BE49-F238E27FC236}">
+                <a16:creationId xmlns:a16="http://schemas.microsoft.com/office/drawing/2014/main" id="{D3929DEE-8DE0-45B1-84B4-CBA71869BB4E}"/>
+              </a:ext>
+            </a:extLst>
+          </p:cNvPr>
+          <p:cNvSpPr/>
+          <p:nvPr/>
+        </p:nvSpPr>
+        <p:spPr>
+          <a:xfrm>
+            <a:off x="204280" y="204281"/>
+            <a:ext cx="1118681" cy="1079770"/>
+          </a:xfrm>
+          <a:prstGeom prst="flowChartDocument">
+            <a:avLst/>
+          </a:prstGeom>
+          <a:gradFill flip="none" rotWithShape="1">
+            <a:gsLst>
+              <a:gs pos="0">
+                <a:schemeClr val="accent5">
+                  <a:lumMod val="67000"/>
+                </a:schemeClr>
+              </a:gs>
+              <a:gs pos="48000">
+                <a:schemeClr val="accent5">
+                  <a:lumMod val="97000"/>
+                  <a:lumOff val="3000"/>
+                </a:schemeClr>
+              </a:gs>
+              <a:gs pos="100000">
+                <a:schemeClr val="accent5">
+                  <a:lumMod val="60000"/>
+                  <a:lumOff val="40000"/>
+                </a:schemeClr>
+              </a:gs>
+            </a:gsLst>
+            <a:lin ang="16200000" scaled="1"/>
+            <a:tileRect/>
+          </a:gradFill>
+          <a:ln>
+            <a:noFill/>
+          </a:ln>
+        </p:spPr>
+        <p:style>
+          <a:lnRef idx="0">
+            <a:scrgbClr r="0" g="0" b="0"/>
+          </a:lnRef>
+          <a:fillRef idx="0">
+            <a:scrgbClr r="0" g="0" b="0"/>
+          </a:fillRef>
+          <a:effectRef idx="0">
+            <a:scrgbClr r="0" g="0" b="0"/>
+          </a:effectRef>
+          <a:fontRef idx="minor">
+            <a:schemeClr val="lt1"/>
+          </a:fontRef>
+        </p:style>
+        <p:txBody>
+          <a:bodyPr rtlCol="0" anchor="ctr"/>
+          <a:lstStyle/>
+          <a:p>
+            <a:pPr algn="ctr"/>
+            <a:r>
+              <a:rPr lang="zh-CN" altLang="en-US" sz="2600" dirty="0"/>
+              <a:t>框架设计</a:t>
+            </a:r>
+          </a:p>
+        </p:txBody>
+      </p:sp>
+    </p:spTree>
+    <p:extLst>
+      <p:ext uri="{BB962C8B-B14F-4D97-AF65-F5344CB8AC3E}">
+        <p14:creationId xmlns:p14="http://schemas.microsoft.com/office/powerpoint/2010/main" val="837885425"/>
+      </p:ext>
+    </p:extLst>
+  </p:cSld>
+  <p:clrMapOvr>
+    <a:masterClrMapping/>
+  </p:clrMapOvr>
+</p:sld>
+</file>
+
+<file path=ppt/slides/slide13.xml><?xml version="1.0" encoding="utf-8"?>
+<p:sld xmlns:a="http://schemas.openxmlformats.org/drawingml/2006/main" xmlns:r="http://schemas.openxmlformats.org/officeDocument/2006/relationships" xmlns:p="http://schemas.openxmlformats.org/presentationml/2006/main">
+  <p:cSld>
+    <p:spTree>
+      <p:nvGrpSpPr>
+        <p:cNvPr id="1" name=""/>
+        <p:cNvGrpSpPr/>
+        <p:nvPr/>
+      </p:nvGrpSpPr>
+      <p:grpSpPr>
+        <a:xfrm>
+          <a:off x="0" y="0"/>
+          <a:ext cx="0" cy="0"/>
+          <a:chOff x="0" y="0"/>
+          <a:chExt cx="0" cy="0"/>
+        </a:xfrm>
+      </p:grpSpPr>
+      <p:sp>
+        <p:nvSpPr>
+          <p:cNvPr id="2" name="流程图: 文档 1">
+            <a:extLst>
+              <a:ext uri="{FF2B5EF4-FFF2-40B4-BE49-F238E27FC236}">
+                <a16:creationId xmlns:a16="http://schemas.microsoft.com/office/drawing/2014/main" id="{E7F3B460-7E03-45E9-B468-FABC6096DA22}"/>
+              </a:ext>
+            </a:extLst>
+          </p:cNvPr>
+          <p:cNvSpPr/>
+          <p:nvPr/>
+        </p:nvSpPr>
+        <p:spPr>
+          <a:xfrm>
+            <a:off x="204280" y="204281"/>
+            <a:ext cx="1118681" cy="1079770"/>
+          </a:xfrm>
+          <a:prstGeom prst="flowChartDocument">
+            <a:avLst/>
+          </a:prstGeom>
+          <a:gradFill flip="none" rotWithShape="1">
+            <a:gsLst>
+              <a:gs pos="0">
+                <a:schemeClr val="accent5">
+                  <a:lumMod val="67000"/>
+                </a:schemeClr>
+              </a:gs>
+              <a:gs pos="48000">
+                <a:schemeClr val="accent5">
+                  <a:lumMod val="97000"/>
+                  <a:lumOff val="3000"/>
+                </a:schemeClr>
+              </a:gs>
+              <a:gs pos="100000">
+                <a:schemeClr val="accent5">
+                  <a:lumMod val="60000"/>
+                  <a:lumOff val="40000"/>
+                </a:schemeClr>
+              </a:gs>
+            </a:gsLst>
+            <a:lin ang="16200000" scaled="1"/>
+            <a:tileRect/>
+          </a:gradFill>
+          <a:ln>
+            <a:noFill/>
+          </a:ln>
+        </p:spPr>
+        <p:style>
+          <a:lnRef idx="0">
+            <a:scrgbClr r="0" g="0" b="0"/>
+          </a:lnRef>
+          <a:fillRef idx="0">
+            <a:scrgbClr r="0" g="0" b="0"/>
+          </a:fillRef>
+          <a:effectRef idx="0">
+            <a:scrgbClr r="0" g="0" b="0"/>
+          </a:effectRef>
+          <a:fontRef idx="minor">
+            <a:schemeClr val="lt1"/>
+          </a:fontRef>
+        </p:style>
+        <p:txBody>
+          <a:bodyPr rtlCol="0" anchor="ctr"/>
+          <a:lstStyle/>
+          <a:p>
+            <a:pPr algn="ctr"/>
+            <a:r>
+              <a:rPr lang="zh-CN" altLang="en-US" sz="2600" dirty="0"/>
+              <a:t>框架设计</a:t>
+            </a:r>
+          </a:p>
+        </p:txBody>
+      </p:sp>
+      <p:sp>
+        <p:nvSpPr>
+          <p:cNvPr id="5" name="箭头: 右 4">
+            <a:extLst>
+              <a:ext uri="{FF2B5EF4-FFF2-40B4-BE49-F238E27FC236}">
+                <a16:creationId xmlns:a16="http://schemas.microsoft.com/office/drawing/2014/main" id="{1F1594AC-E28F-4B7C-AA47-DB6352E056D5}"/>
+              </a:ext>
+            </a:extLst>
+          </p:cNvPr>
+          <p:cNvSpPr/>
+          <p:nvPr/>
+        </p:nvSpPr>
+        <p:spPr>
+          <a:xfrm>
+            <a:off x="1937132" y="204281"/>
+            <a:ext cx="9173184" cy="890081"/>
+          </a:xfrm>
+          <a:prstGeom prst="rightArrow">
+            <a:avLst/>
+          </a:prstGeom>
+        </p:spPr>
+        <p:style>
+          <a:lnRef idx="2">
+            <a:schemeClr val="accent2"/>
+          </a:lnRef>
+          <a:fillRef idx="1">
+            <a:schemeClr val="lt1"/>
+          </a:fillRef>
+          <a:effectRef idx="0">
+            <a:schemeClr val="accent2"/>
+          </a:effectRef>
+          <a:fontRef idx="minor">
+            <a:schemeClr val="dk1"/>
+          </a:fontRef>
+        </p:style>
+        <p:txBody>
+          <a:bodyPr rtlCol="0" anchor="ctr"/>
+          <a:lstStyle/>
+          <a:p>
+            <a:pPr algn="ctr"/>
+            <a:r>
+              <a:rPr lang="zh-CN" altLang="en-US" sz="2400" dirty="0">
+                <a:solidFill>
+                  <a:srgbClr val="C00000"/>
+                </a:solidFill>
+                <a:latin typeface="微软雅黑" panose="020B0503020204020204" pitchFamily="34" charset="-122"/>
+                <a:ea typeface="微软雅黑" panose="020B0503020204020204" pitchFamily="34" charset="-122"/>
+              </a:rPr>
+              <a:t>框架搭建</a:t>
+            </a:r>
+          </a:p>
+        </p:txBody>
+      </p:sp>
+      <p:graphicFrame>
+        <p:nvGraphicFramePr>
+          <p:cNvPr id="3" name="图示 2">
+            <a:extLst>
+              <a:ext uri="{FF2B5EF4-FFF2-40B4-BE49-F238E27FC236}">
+                <a16:creationId xmlns:a16="http://schemas.microsoft.com/office/drawing/2014/main" id="{B3D04035-4D9A-47CA-ABF5-E9B6C3605D27}"/>
+              </a:ext>
+            </a:extLst>
+          </p:cNvPr>
+          <p:cNvGraphicFramePr/>
+          <p:nvPr>
+            <p:extLst>
+              <p:ext uri="{D42A27DB-BD31-4B8C-83A1-F6EECF244321}">
+                <p14:modId xmlns:p14="http://schemas.microsoft.com/office/powerpoint/2010/main" val="4184595818"/>
+              </p:ext>
+            </p:extLst>
+          </p:nvPr>
+        </p:nvGraphicFramePr>
+        <p:xfrm>
+          <a:off x="2213232" y="1094362"/>
+          <a:ext cx="8128000" cy="5418667"/>
+        </p:xfrm>
+        <a:graphic>
+          <a:graphicData uri="http://schemas.openxmlformats.org/drawingml/2006/diagram">
+            <dgm:relIds xmlns:dgm="http://schemas.openxmlformats.org/drawingml/2006/diagram" xmlns:r="http://schemas.openxmlformats.org/officeDocument/2006/relationships" r:dm="rId2" r:lo="rId3" r:qs="rId4" r:cs="rId5"/>
+          </a:graphicData>
+        </a:graphic>
+      </p:graphicFrame>
+    </p:spTree>
+    <p:extLst>
+      <p:ext uri="{BB962C8B-B14F-4D97-AF65-F5344CB8AC3E}">
+        <p14:creationId xmlns:p14="http://schemas.microsoft.com/office/powerpoint/2010/main" val="3482395862"/>
+      </p:ext>
+    </p:extLst>
+  </p:cSld>
+  <p:clrMapOvr>
+    <a:masterClrMapping/>
+  </p:clrMapOvr>
+</p:sld>
+</file>
+
+<file path=ppt/slides/slide14.xml><?xml version="1.0" encoding="utf-8"?>
+<p:sld xmlns:a="http://schemas.openxmlformats.org/drawingml/2006/main" xmlns:r="http://schemas.openxmlformats.org/officeDocument/2006/relationships" xmlns:p="http://schemas.openxmlformats.org/presentationml/2006/main">
+  <p:cSld>
+    <p:spTree>
+      <p:nvGrpSpPr>
+        <p:cNvPr id="1" name=""/>
+        <p:cNvGrpSpPr/>
+        <p:nvPr/>
+      </p:nvGrpSpPr>
+      <p:grpSpPr>
+        <a:xfrm>
+          <a:off x="0" y="0"/>
+          <a:ext cx="0" cy="0"/>
+          <a:chOff x="0" y="0"/>
+          <a:chExt cx="0" cy="0"/>
+        </a:xfrm>
+      </p:grpSpPr>
+      <p:sp>
+        <p:nvSpPr>
+          <p:cNvPr id="2" name="流程图: 文档 1">
             <a:hlinkClick r:id="rId2" action="ppaction://hlinksldjump"/>
             <a:extLst>
               <a:ext uri="{FF2B5EF4-FFF2-40B4-BE49-F238E27FC236}">
@@ -35161,7 +35904,7 @@
 </p:sld>
 </file>
 
-<file path=ppt/slides/slide11.xml><?xml version="1.0" encoding="utf-8"?>
+<file path=ppt/slides/slide15.xml><?xml version="1.0" encoding="utf-8"?>
 <p:sld xmlns:a="http://schemas.openxmlformats.org/drawingml/2006/main" xmlns:r="http://schemas.openxmlformats.org/officeDocument/2006/relationships" xmlns:p="http://schemas.openxmlformats.org/presentationml/2006/main">
   <p:cSld>
     <p:spTree>
@@ -35617,7 +36360,7 @@
 </p:sld>
 </file>
 
-<file path=ppt/slides/slide12.xml><?xml version="1.0" encoding="utf-8"?>
+<file path=ppt/slides/slide16.xml><?xml version="1.0" encoding="utf-8"?>
 <p:sld xmlns:a="http://schemas.openxmlformats.org/drawingml/2006/main" xmlns:r="http://schemas.openxmlformats.org/officeDocument/2006/relationships" xmlns:p="http://schemas.openxmlformats.org/presentationml/2006/main">
   <p:cSld>
     <p:spTree>
@@ -36120,7 +36863,7 @@
 </p:sld>
 </file>
 
-<file path=ppt/slides/slide13.xml><?xml version="1.0" encoding="utf-8"?>
+<file path=ppt/slides/slide17.xml><?xml version="1.0" encoding="utf-8"?>
 <p:sld xmlns:a="http://schemas.openxmlformats.org/drawingml/2006/main" xmlns:r="http://schemas.openxmlformats.org/officeDocument/2006/relationships" xmlns:p="http://schemas.openxmlformats.org/presentationml/2006/main">
   <p:cSld>
     <p:spTree>
@@ -36599,7 +37342,7 @@
 </p:sld>
 </file>
 
-<file path=ppt/slides/slide14.xml><?xml version="1.0" encoding="utf-8"?>
+<file path=ppt/slides/slide18.xml><?xml version="1.0" encoding="utf-8"?>
 <p:sld xmlns:a="http://schemas.openxmlformats.org/drawingml/2006/main" xmlns:r="http://schemas.openxmlformats.org/officeDocument/2006/relationships" xmlns:p="http://schemas.openxmlformats.org/presentationml/2006/main">
   <p:cSld>
     <p:spTree>
@@ -36763,7 +37506,7 @@
           <p:nvPr>
             <p:extLst>
               <p:ext uri="{D42A27DB-BD31-4B8C-83A1-F6EECF244321}">
-                <p14:modId xmlns:p14="http://schemas.microsoft.com/office/powerpoint/2010/main" val="1965475654"/>
+                <p14:modId xmlns:p14="http://schemas.microsoft.com/office/powerpoint/2010/main" val="1536541162"/>
               </p:ext>
             </p:extLst>
           </p:nvPr>
@@ -36791,7 +37534,7 @@
 </p:sld>
 </file>
 
-<file path=ppt/slides/slide15.xml><?xml version="1.0" encoding="utf-8"?>
+<file path=ppt/slides/slide19.xml><?xml version="1.0" encoding="utf-8"?>
 <p:sld xmlns:a="http://schemas.openxmlformats.org/drawingml/2006/main" xmlns:r="http://schemas.openxmlformats.org/officeDocument/2006/relationships" xmlns:p="http://schemas.openxmlformats.org/presentationml/2006/main">
   <p:cSld>
     <p:spTree>
@@ -38250,6 +38993,2806 @@
 <file path=ppt/slides/slide4.xml><?xml version="1.0" encoding="utf-8"?>
 <p:sld xmlns:a="http://schemas.openxmlformats.org/drawingml/2006/main" xmlns:r="http://schemas.openxmlformats.org/officeDocument/2006/relationships" xmlns:p="http://schemas.openxmlformats.org/presentationml/2006/main">
   <p:cSld>
+    <p:bg>
+      <p:bgPr>
+        <a:gradFill rotWithShape="1">
+          <a:gsLst>
+            <a:gs pos="0">
+              <a:schemeClr val="bg1">
+                <a:tint val="93000"/>
+                <a:satMod val="150000"/>
+                <a:shade val="98000"/>
+                <a:lumMod val="102000"/>
+              </a:schemeClr>
+            </a:gs>
+            <a:gs pos="50000">
+              <a:schemeClr val="bg1">
+                <a:tint val="98000"/>
+                <a:satMod val="130000"/>
+                <a:shade val="90000"/>
+                <a:lumMod val="103000"/>
+              </a:schemeClr>
+            </a:gs>
+            <a:gs pos="100000">
+              <a:schemeClr val="bg1">
+                <a:shade val="63000"/>
+                <a:satMod val="120000"/>
+              </a:schemeClr>
+            </a:gs>
+          </a:gsLst>
+          <a:lin ang="5400000" scaled="0"/>
+        </a:gradFill>
+        <a:effectLst/>
+      </p:bgPr>
+    </p:bg>
+    <p:spTree>
+      <p:nvGrpSpPr>
+        <p:cNvPr id="1" name=""/>
+        <p:cNvGrpSpPr/>
+        <p:nvPr/>
+      </p:nvGrpSpPr>
+      <p:grpSpPr>
+        <a:xfrm>
+          <a:off x="0" y="0"/>
+          <a:ext cx="0" cy="0"/>
+          <a:chOff x="0" y="0"/>
+          <a:chExt cx="0" cy="0"/>
+        </a:xfrm>
+      </p:grpSpPr>
+      <p:sp useBgFill="1">
+        <p:nvSpPr>
+          <p:cNvPr id="7" name="Rectangle 6">
+            <a:extLst>
+              <a:ext uri="{FF2B5EF4-FFF2-40B4-BE49-F238E27FC236}">
+                <a16:creationId xmlns:a16="http://schemas.microsoft.com/office/drawing/2014/main" id="{A2509F26-B5DC-4BA7-B476-4CB044237A2E}"/>
+              </a:ext>
+            </a:extLst>
+          </p:cNvPr>
+          <p:cNvSpPr>
+            <a:spLocks noGrp="1" noRot="1" noChangeAspect="1" noMove="1" noResize="1" noEditPoints="1" noAdjustHandles="1" noChangeArrowheads="1" noChangeShapeType="1" noTextEdit="1"/>
+          </p:cNvSpPr>
+          <p:nvPr>
+            <p:extLst>
+              <p:ext uri="{386F3935-93C4-4BCD-93E2-E3B085C9AB24}">
+                <p16:designElem xmlns:p16="http://schemas.microsoft.com/office/powerpoint/2015/main" val="1"/>
+              </p:ext>
+            </p:extLst>
+          </p:nvPr>
+        </p:nvSpPr>
+        <p:spPr>
+          <a:xfrm>
+            <a:off x="0" y="0"/>
+            <a:ext cx="12192000" cy="6858000"/>
+          </a:xfrm>
+          <a:prstGeom prst="rect">
+            <a:avLst/>
+          </a:prstGeom>
+          <a:ln>
+            <a:noFill/>
+          </a:ln>
+        </p:spPr>
+        <p:style>
+          <a:lnRef idx="2">
+            <a:schemeClr val="accent1">
+              <a:shade val="50000"/>
+            </a:schemeClr>
+          </a:lnRef>
+          <a:fillRef idx="1">
+            <a:schemeClr val="accent1"/>
+          </a:fillRef>
+          <a:effectRef idx="0">
+            <a:schemeClr val="accent1"/>
+          </a:effectRef>
+          <a:fontRef idx="minor">
+            <a:schemeClr val="lt1"/>
+          </a:fontRef>
+        </p:style>
+        <p:txBody>
+          <a:bodyPr rtlCol="0" anchor="ctr"/>
+          <a:lstStyle/>
+          <a:p>
+            <a:pPr marL="0" marR="0" lvl="0" indent="0" algn="ctr" defTabSz="457200" rtl="0" eaLnBrk="1" fontAlgn="auto" latinLnBrk="0" hangingPunct="1">
+              <a:lnSpc>
+                <a:spcPct val="100000"/>
+              </a:lnSpc>
+              <a:spcBef>
+                <a:spcPts val="0"/>
+              </a:spcBef>
+              <a:spcAft>
+                <a:spcPts val="0"/>
+              </a:spcAft>
+              <a:buClrTx/>
+              <a:buSzTx/>
+              <a:buFontTx/>
+              <a:buNone/>
+              <a:tabLst/>
+              <a:defRPr/>
+            </a:pPr>
+            <a:endParaRPr kumimoji="0" lang="en-US" sz="1800" b="0" i="0" u="none" strike="noStrike" kern="1200" cap="none" spc="0" normalizeH="0" baseline="0" noProof="0">
+              <a:ln>
+                <a:noFill/>
+              </a:ln>
+              <a:solidFill>
+                <a:prstClr val="white"/>
+              </a:solidFill>
+              <a:effectLst/>
+              <a:uLnTx/>
+              <a:uFillTx/>
+              <a:latin typeface="Impact" panose="020B0806030902050204"/>
+              <a:ea typeface="+mn-ea"/>
+              <a:cs typeface="+mn-cs"/>
+            </a:endParaRPr>
+          </a:p>
+        </p:txBody>
+      </p:sp>
+      <p:sp>
+        <p:nvSpPr>
+          <p:cNvPr id="9" name="Rectangle 8">
+            <a:extLst>
+              <a:ext uri="{FF2B5EF4-FFF2-40B4-BE49-F238E27FC236}">
+                <a16:creationId xmlns:a16="http://schemas.microsoft.com/office/drawing/2014/main" id="{DB103EB1-B135-4526-B883-33228FC27FF1}"/>
+              </a:ext>
+            </a:extLst>
+          </p:cNvPr>
+          <p:cNvSpPr>
+            <a:spLocks noGrp="1" noRot="1" noChangeAspect="1" noMove="1" noResize="1" noEditPoints="1" noAdjustHandles="1" noChangeArrowheads="1" noChangeShapeType="1" noTextEdit="1"/>
+          </p:cNvSpPr>
+          <p:nvPr>
+            <p:extLst>
+              <p:ext uri="{386F3935-93C4-4BCD-93E2-E3B085C9AB24}">
+                <p16:designElem xmlns:p16="http://schemas.microsoft.com/office/powerpoint/2015/main" val="1"/>
+              </p:ext>
+            </p:extLst>
+          </p:nvPr>
+        </p:nvSpPr>
+        <p:spPr>
+          <a:xfrm rot="21480000">
+            <a:off x="815340" y="683404"/>
+            <a:ext cx="10561320" cy="5404104"/>
+          </a:xfrm>
+          <a:prstGeom prst="rect">
+            <a:avLst/>
+          </a:prstGeom>
+          <a:solidFill>
+            <a:srgbClr val="FFFFFF"/>
+          </a:solidFill>
+          <a:ln w="3175" cap="sq" cmpd="thinThick">
+            <a:solidFill>
+              <a:srgbClr val="DDDDDD"/>
+            </a:solidFill>
+            <a:miter lim="800000"/>
+          </a:ln>
+          <a:effectLst>
+            <a:outerShdw blurRad="266700" dist="114300" dir="2700000" algn="tl" rotWithShape="0">
+              <a:prstClr val="black">
+                <a:alpha val="40000"/>
+              </a:prstClr>
+            </a:outerShdw>
+          </a:effectLst>
+        </p:spPr>
+        <p:style>
+          <a:lnRef idx="2">
+            <a:schemeClr val="accent1">
+              <a:shade val="50000"/>
+            </a:schemeClr>
+          </a:lnRef>
+          <a:fillRef idx="1">
+            <a:schemeClr val="accent1"/>
+          </a:fillRef>
+          <a:effectRef idx="0">
+            <a:schemeClr val="accent1"/>
+          </a:effectRef>
+          <a:fontRef idx="minor">
+            <a:schemeClr val="lt1"/>
+          </a:fontRef>
+        </p:style>
+        <p:txBody>
+          <a:bodyPr rtlCol="0" anchor="ctr"/>
+          <a:lstStyle/>
+          <a:p>
+            <a:pPr marL="0" marR="0" lvl="0" indent="0" algn="ctr" defTabSz="457200" rtl="0" eaLnBrk="1" fontAlgn="auto" latinLnBrk="0" hangingPunct="1">
+              <a:lnSpc>
+                <a:spcPct val="100000"/>
+              </a:lnSpc>
+              <a:spcBef>
+                <a:spcPts val="0"/>
+              </a:spcBef>
+              <a:spcAft>
+                <a:spcPts val="0"/>
+              </a:spcAft>
+              <a:buClrTx/>
+              <a:buSzTx/>
+              <a:buFontTx/>
+              <a:buNone/>
+              <a:tabLst/>
+              <a:defRPr/>
+            </a:pPr>
+            <a:endParaRPr kumimoji="0" lang="en-US" sz="1800" b="0" i="0" u="none" strike="noStrike" kern="1200" cap="none" spc="0" normalizeH="0" baseline="0" noProof="0">
+              <a:ln>
+                <a:noFill/>
+              </a:ln>
+              <a:solidFill>
+                <a:prstClr val="white"/>
+              </a:solidFill>
+              <a:effectLst/>
+              <a:uLnTx/>
+              <a:uFillTx/>
+              <a:latin typeface="Impact" panose="020B0806030902050204"/>
+              <a:ea typeface="+mn-ea"/>
+              <a:cs typeface="+mn-cs"/>
+            </a:endParaRPr>
+          </a:p>
+        </p:txBody>
+      </p:sp>
+      <p:pic>
+        <p:nvPicPr>
+          <p:cNvPr id="2" name="图片 1">
+            <a:extLst>
+              <a:ext uri="{FF2B5EF4-FFF2-40B4-BE49-F238E27FC236}">
+                <a16:creationId xmlns:a16="http://schemas.microsoft.com/office/drawing/2014/main" id="{0CB0C726-5608-4F79-B7E0-48A944BB120D}"/>
+              </a:ext>
+            </a:extLst>
+          </p:cNvPr>
+          <p:cNvPicPr>
+            <a:picLocks noChangeAspect="1"/>
+          </p:cNvPicPr>
+          <p:nvPr/>
+        </p:nvPicPr>
+        <p:blipFill rotWithShape="1">
+          <a:blip r:embed="rId2"/>
+          <a:srcRect r="1" b="28290"/>
+          <a:stretch/>
+        </p:blipFill>
+        <p:spPr>
+          <a:xfrm rot="21480000">
+            <a:off x="1138300" y="1029737"/>
+            <a:ext cx="9863130" cy="4738837"/>
+          </a:xfrm>
+          <a:prstGeom prst="rect">
+            <a:avLst/>
+          </a:prstGeom>
+        </p:spPr>
+      </p:pic>
+      <p:sp>
+        <p:nvSpPr>
+          <p:cNvPr id="16" name="箭头: 右 15">
+            <a:extLst>
+              <a:ext uri="{FF2B5EF4-FFF2-40B4-BE49-F238E27FC236}">
+                <a16:creationId xmlns:a16="http://schemas.microsoft.com/office/drawing/2014/main" id="{8BD4A563-B7B3-4F33-BE64-888F9A2A4F96}"/>
+              </a:ext>
+            </a:extLst>
+          </p:cNvPr>
+          <p:cNvSpPr/>
+          <p:nvPr/>
+        </p:nvSpPr>
+        <p:spPr>
+          <a:xfrm flipH="1">
+            <a:off x="1527240" y="83115"/>
+            <a:ext cx="4136441" cy="890081"/>
+          </a:xfrm>
+          <a:prstGeom prst="rightArrow">
+            <a:avLst/>
+          </a:prstGeom>
+        </p:spPr>
+        <p:style>
+          <a:lnRef idx="2">
+            <a:schemeClr val="accent2"/>
+          </a:lnRef>
+          <a:fillRef idx="1">
+            <a:schemeClr val="lt1"/>
+          </a:fillRef>
+          <a:effectRef idx="0">
+            <a:schemeClr val="accent2"/>
+          </a:effectRef>
+          <a:fontRef idx="minor">
+            <a:schemeClr val="dk1"/>
+          </a:fontRef>
+        </p:style>
+        <p:txBody>
+          <a:bodyPr rtlCol="0" anchor="ctr"/>
+          <a:lstStyle/>
+          <a:p>
+            <a:pPr algn="ctr"/>
+            <a:r>
+              <a:rPr lang="zh-CN" altLang="en-US" sz="2400" dirty="0">
+                <a:solidFill>
+                  <a:srgbClr val="C00000"/>
+                </a:solidFill>
+                <a:latin typeface="微软雅黑" panose="020B0503020204020204" pitchFamily="34" charset="-122"/>
+                <a:ea typeface="微软雅黑" panose="020B0503020204020204" pitchFamily="34" charset="-122"/>
+              </a:rPr>
+              <a:t>界面原型</a:t>
+            </a:r>
+          </a:p>
+        </p:txBody>
+      </p:sp>
+      <p:sp>
+        <p:nvSpPr>
+          <p:cNvPr id="17" name="流程图: 文档 16">
+            <a:extLst>
+              <a:ext uri="{FF2B5EF4-FFF2-40B4-BE49-F238E27FC236}">
+                <a16:creationId xmlns:a16="http://schemas.microsoft.com/office/drawing/2014/main" id="{A23C550C-4EC1-4AD3-96A4-E50160C46254}"/>
+              </a:ext>
+            </a:extLst>
+          </p:cNvPr>
+          <p:cNvSpPr/>
+          <p:nvPr/>
+        </p:nvSpPr>
+        <p:spPr>
+          <a:xfrm>
+            <a:off x="204280" y="204281"/>
+            <a:ext cx="1118681" cy="1079770"/>
+          </a:xfrm>
+          <a:prstGeom prst="flowChartDocument">
+            <a:avLst/>
+          </a:prstGeom>
+          <a:gradFill flip="none" rotWithShape="1">
+            <a:gsLst>
+              <a:gs pos="0">
+                <a:schemeClr val="accent5">
+                  <a:lumMod val="67000"/>
+                </a:schemeClr>
+              </a:gs>
+              <a:gs pos="48000">
+                <a:schemeClr val="accent5">
+                  <a:lumMod val="97000"/>
+                  <a:lumOff val="3000"/>
+                </a:schemeClr>
+              </a:gs>
+              <a:gs pos="100000">
+                <a:schemeClr val="accent5">
+                  <a:lumMod val="60000"/>
+                  <a:lumOff val="40000"/>
+                </a:schemeClr>
+              </a:gs>
+            </a:gsLst>
+            <a:lin ang="16200000" scaled="1"/>
+            <a:tileRect/>
+          </a:gradFill>
+          <a:ln>
+            <a:noFill/>
+          </a:ln>
+        </p:spPr>
+        <p:style>
+          <a:lnRef idx="0">
+            <a:scrgbClr r="0" g="0" b="0"/>
+          </a:lnRef>
+          <a:fillRef idx="0">
+            <a:scrgbClr r="0" g="0" b="0"/>
+          </a:fillRef>
+          <a:effectRef idx="0">
+            <a:scrgbClr r="0" g="0" b="0"/>
+          </a:effectRef>
+          <a:fontRef idx="minor">
+            <a:schemeClr val="lt1"/>
+          </a:fontRef>
+        </p:style>
+        <p:txBody>
+          <a:bodyPr rtlCol="0" anchor="ctr"/>
+          <a:lstStyle/>
+          <a:p>
+            <a:pPr algn="ctr"/>
+            <a:r>
+              <a:rPr lang="zh-CN" altLang="en-US" sz="2600" dirty="0"/>
+              <a:t>游戏设计</a:t>
+            </a:r>
+          </a:p>
+        </p:txBody>
+      </p:sp>
+    </p:spTree>
+    <p:extLst>
+      <p:ext uri="{BB962C8B-B14F-4D97-AF65-F5344CB8AC3E}">
+        <p14:creationId xmlns:p14="http://schemas.microsoft.com/office/powerpoint/2010/main" val="649864909"/>
+      </p:ext>
+    </p:extLst>
+  </p:cSld>
+  <p:clrMapOvr>
+    <a:masterClrMapping/>
+  </p:clrMapOvr>
+</p:sld>
+</file>
+
+<file path=ppt/slides/slide5.xml><?xml version="1.0" encoding="utf-8"?>
+<p:sld xmlns:a="http://schemas.openxmlformats.org/drawingml/2006/main" xmlns:r="http://schemas.openxmlformats.org/officeDocument/2006/relationships" xmlns:p="http://schemas.openxmlformats.org/presentationml/2006/main">
+  <p:cSld>
+    <p:spTree>
+      <p:nvGrpSpPr>
+        <p:cNvPr id="1" name=""/>
+        <p:cNvGrpSpPr/>
+        <p:nvPr/>
+      </p:nvGrpSpPr>
+      <p:grpSpPr>
+        <a:xfrm>
+          <a:off x="0" y="0"/>
+          <a:ext cx="0" cy="0"/>
+          <a:chOff x="0" y="0"/>
+          <a:chExt cx="0" cy="0"/>
+        </a:xfrm>
+      </p:grpSpPr>
+      <p:pic>
+        <p:nvPicPr>
+          <p:cNvPr id="4" name="图片 3">
+            <a:extLst>
+              <a:ext uri="{FF2B5EF4-FFF2-40B4-BE49-F238E27FC236}">
+                <a16:creationId xmlns:a16="http://schemas.microsoft.com/office/drawing/2014/main" id="{F6BC0E1A-2B74-4AD0-AA28-55B98926C84F}"/>
+              </a:ext>
+            </a:extLst>
+          </p:cNvPr>
+          <p:cNvPicPr>
+            <a:picLocks noChangeAspect="1"/>
+          </p:cNvPicPr>
+          <p:nvPr/>
+        </p:nvPicPr>
+        <p:blipFill rotWithShape="1">
+          <a:blip r:embed="rId2"/>
+          <a:srcRect b="16045"/>
+          <a:stretch/>
+        </p:blipFill>
+        <p:spPr>
+          <a:xfrm>
+            <a:off x="20" y="10"/>
+            <a:ext cx="12191980" cy="6857990"/>
+          </a:xfrm>
+          <a:prstGeom prst="rect">
+            <a:avLst/>
+          </a:prstGeom>
+        </p:spPr>
+      </p:pic>
+      <p:sp>
+        <p:nvSpPr>
+          <p:cNvPr id="24" name="矩形 23">
+            <a:extLst>
+              <a:ext uri="{FF2B5EF4-FFF2-40B4-BE49-F238E27FC236}">
+                <a16:creationId xmlns:a16="http://schemas.microsoft.com/office/drawing/2014/main" id="{A2C3FACC-551F-40CB-9C80-4258E5399D59}"/>
+              </a:ext>
+            </a:extLst>
+          </p:cNvPr>
+          <p:cNvSpPr/>
+          <p:nvPr/>
+        </p:nvSpPr>
+        <p:spPr>
+          <a:xfrm>
+            <a:off x="1041797" y="1025275"/>
+            <a:ext cx="1766214" cy="412877"/>
+          </a:xfrm>
+          <a:prstGeom prst="rect">
+            <a:avLst/>
+          </a:prstGeom>
+        </p:spPr>
+        <p:style>
+          <a:lnRef idx="2">
+            <a:schemeClr val="accent6"/>
+          </a:lnRef>
+          <a:fillRef idx="1">
+            <a:schemeClr val="lt1"/>
+          </a:fillRef>
+          <a:effectRef idx="0">
+            <a:schemeClr val="accent6"/>
+          </a:effectRef>
+          <a:fontRef idx="minor">
+            <a:schemeClr val="dk1"/>
+          </a:fontRef>
+        </p:style>
+        <p:txBody>
+          <a:bodyPr rtlCol="0" anchor="ctr"/>
+          <a:lstStyle/>
+          <a:p>
+            <a:pPr algn="ctr"/>
+            <a:r>
+              <a:rPr lang="zh-CN" altLang="en-US" sz="2400" dirty="0"/>
+              <a:t>信息栏</a:t>
+            </a:r>
+          </a:p>
+        </p:txBody>
+      </p:sp>
+      <p:cxnSp>
+        <p:nvCxnSpPr>
+          <p:cNvPr id="28" name="连接符: 肘形 27">
+            <a:extLst>
+              <a:ext uri="{FF2B5EF4-FFF2-40B4-BE49-F238E27FC236}">
+                <a16:creationId xmlns:a16="http://schemas.microsoft.com/office/drawing/2014/main" id="{16D4BADB-20BD-4C19-8888-FADF8E2FD0EA}"/>
+              </a:ext>
+            </a:extLst>
+          </p:cNvPr>
+          <p:cNvCxnSpPr>
+            <a:cxnSpLocks/>
+            <a:stCxn id="3" idx="1"/>
+            <a:endCxn id="24" idx="1"/>
+          </p:cNvCxnSpPr>
+          <p:nvPr/>
+        </p:nvCxnSpPr>
+        <p:spPr>
+          <a:xfrm rot="10800000" flipH="1" flipV="1">
+            <a:off x="269043" y="421480"/>
+            <a:ext cx="772754" cy="810234"/>
+          </a:xfrm>
+          <a:prstGeom prst="bentConnector3">
+            <a:avLst>
+              <a:gd name="adj1" fmla="val -29583"/>
+            </a:avLst>
+          </a:prstGeom>
+        </p:spPr>
+        <p:style>
+          <a:lnRef idx="3">
+            <a:schemeClr val="accent6"/>
+          </a:lnRef>
+          <a:fillRef idx="0">
+            <a:schemeClr val="accent6"/>
+          </a:fillRef>
+          <a:effectRef idx="2">
+            <a:schemeClr val="accent6"/>
+          </a:effectRef>
+          <a:fontRef idx="minor">
+            <a:schemeClr val="tx1"/>
+          </a:fontRef>
+        </p:style>
+      </p:cxnSp>
+      <p:sp>
+        <p:nvSpPr>
+          <p:cNvPr id="50" name="椭圆 49">
+            <a:extLst>
+              <a:ext uri="{FF2B5EF4-FFF2-40B4-BE49-F238E27FC236}">
+                <a16:creationId xmlns:a16="http://schemas.microsoft.com/office/drawing/2014/main" id="{94744021-0A71-48CC-923C-87F805D98107}"/>
+              </a:ext>
+            </a:extLst>
+          </p:cNvPr>
+          <p:cNvSpPr/>
+          <p:nvPr/>
+        </p:nvSpPr>
+        <p:spPr>
+          <a:xfrm>
+            <a:off x="9600605" y="2031735"/>
+            <a:ext cx="2225666" cy="4220353"/>
+          </a:xfrm>
+          <a:prstGeom prst="ellipse">
+            <a:avLst/>
+          </a:prstGeom>
+          <a:solidFill>
+            <a:schemeClr val="accent4">
+              <a:alpha val="50000"/>
+            </a:schemeClr>
+          </a:solidFill>
+          <a:ln>
+            <a:noFill/>
+          </a:ln>
+        </p:spPr>
+        <p:style>
+          <a:lnRef idx="0">
+            <a:scrgbClr r="0" g="0" b="0"/>
+          </a:lnRef>
+          <a:fillRef idx="0">
+            <a:scrgbClr r="0" g="0" b="0"/>
+          </a:fillRef>
+          <a:effectRef idx="0">
+            <a:scrgbClr r="0" g="0" b="0"/>
+          </a:effectRef>
+          <a:fontRef idx="minor">
+            <a:schemeClr val="lt1"/>
+          </a:fontRef>
+        </p:style>
+        <p:txBody>
+          <a:bodyPr rtlCol="0" anchor="ctr"/>
+          <a:lstStyle/>
+          <a:p>
+            <a:pPr algn="ctr"/>
+            <a:endParaRPr lang="zh-CN" altLang="en-US"/>
+          </a:p>
+        </p:txBody>
+      </p:sp>
+      <p:sp>
+        <p:nvSpPr>
+          <p:cNvPr id="51" name="矩形 50">
+            <a:extLst>
+              <a:ext uri="{FF2B5EF4-FFF2-40B4-BE49-F238E27FC236}">
+                <a16:creationId xmlns:a16="http://schemas.microsoft.com/office/drawing/2014/main" id="{8EEBA370-DC3B-401B-940A-1BEED7E2C666}"/>
+              </a:ext>
+            </a:extLst>
+          </p:cNvPr>
+          <p:cNvSpPr/>
+          <p:nvPr/>
+        </p:nvSpPr>
+        <p:spPr>
+          <a:xfrm>
+            <a:off x="5561658" y="6252088"/>
+            <a:ext cx="1068704" cy="500134"/>
+          </a:xfrm>
+          <a:prstGeom prst="rect">
+            <a:avLst/>
+          </a:prstGeom>
+        </p:spPr>
+        <p:style>
+          <a:lnRef idx="2">
+            <a:schemeClr val="accent6"/>
+          </a:lnRef>
+          <a:fillRef idx="1">
+            <a:schemeClr val="lt1"/>
+          </a:fillRef>
+          <a:effectRef idx="0">
+            <a:schemeClr val="accent6"/>
+          </a:effectRef>
+          <a:fontRef idx="minor">
+            <a:schemeClr val="dk1"/>
+          </a:fontRef>
+        </p:style>
+        <p:txBody>
+          <a:bodyPr rtlCol="0" anchor="ctr"/>
+          <a:lstStyle/>
+          <a:p>
+            <a:pPr algn="ctr"/>
+            <a:r>
+              <a:rPr lang="zh-CN" altLang="en-US" sz="2400" dirty="0"/>
+              <a:t>路线</a:t>
+            </a:r>
+          </a:p>
+        </p:txBody>
+      </p:sp>
+      <p:cxnSp>
+        <p:nvCxnSpPr>
+          <p:cNvPr id="52" name="连接符: 肘形 51">
+            <a:extLst>
+              <a:ext uri="{FF2B5EF4-FFF2-40B4-BE49-F238E27FC236}">
+                <a16:creationId xmlns:a16="http://schemas.microsoft.com/office/drawing/2014/main" id="{9301D39B-9232-457D-8216-B0C5E5F1F1F1}"/>
+              </a:ext>
+            </a:extLst>
+          </p:cNvPr>
+          <p:cNvCxnSpPr>
+            <a:cxnSpLocks/>
+            <a:stCxn id="34" idx="4"/>
+            <a:endCxn id="51" idx="3"/>
+          </p:cNvCxnSpPr>
+          <p:nvPr/>
+        </p:nvCxnSpPr>
+        <p:spPr>
+          <a:xfrm rot="16200000" flipH="1">
+            <a:off x="5696135" y="5567927"/>
+            <a:ext cx="1323665" cy="544790"/>
+          </a:xfrm>
+          <a:prstGeom prst="bentConnector4">
+            <a:avLst>
+              <a:gd name="adj1" fmla="val 40554"/>
+              <a:gd name="adj2" fmla="val 435400"/>
+            </a:avLst>
+          </a:prstGeom>
+        </p:spPr>
+        <p:style>
+          <a:lnRef idx="3">
+            <a:schemeClr val="dk1"/>
+          </a:lnRef>
+          <a:fillRef idx="0">
+            <a:schemeClr val="dk1"/>
+          </a:fillRef>
+          <a:effectRef idx="2">
+            <a:schemeClr val="dk1"/>
+          </a:effectRef>
+          <a:fontRef idx="minor">
+            <a:schemeClr val="tx1"/>
+          </a:fontRef>
+        </p:style>
+      </p:cxnSp>
+      <p:sp>
+        <p:nvSpPr>
+          <p:cNvPr id="3" name="矩形 2">
+            <a:extLst>
+              <a:ext uri="{FF2B5EF4-FFF2-40B4-BE49-F238E27FC236}">
+                <a16:creationId xmlns:a16="http://schemas.microsoft.com/office/drawing/2014/main" id="{4E495418-B529-4D6E-8C25-6789AE387643}"/>
+              </a:ext>
+            </a:extLst>
+          </p:cNvPr>
+          <p:cNvSpPr/>
+          <p:nvPr/>
+        </p:nvSpPr>
+        <p:spPr>
+          <a:xfrm>
+            <a:off x="269043" y="-35720"/>
+            <a:ext cx="11653934" cy="914400"/>
+          </a:xfrm>
+          <a:prstGeom prst="rect">
+            <a:avLst/>
+          </a:prstGeom>
+          <a:solidFill>
+            <a:schemeClr val="accent4">
+              <a:alpha val="50000"/>
+            </a:schemeClr>
+          </a:solidFill>
+          <a:ln>
+            <a:noFill/>
+          </a:ln>
+        </p:spPr>
+        <p:style>
+          <a:lnRef idx="0">
+            <a:scrgbClr r="0" g="0" b="0"/>
+          </a:lnRef>
+          <a:fillRef idx="0">
+            <a:scrgbClr r="0" g="0" b="0"/>
+          </a:fillRef>
+          <a:effectRef idx="0">
+            <a:scrgbClr r="0" g="0" b="0"/>
+          </a:effectRef>
+          <a:fontRef idx="minor">
+            <a:schemeClr val="lt1"/>
+          </a:fontRef>
+        </p:style>
+        <p:txBody>
+          <a:bodyPr rtlCol="0" anchor="ctr"/>
+          <a:lstStyle/>
+          <a:p>
+            <a:pPr algn="ctr"/>
+            <a:endParaRPr lang="zh-CN" altLang="en-US"/>
+          </a:p>
+        </p:txBody>
+      </p:sp>
+      <p:sp>
+        <p:nvSpPr>
+          <p:cNvPr id="33" name="椭圆 32">
+            <a:extLst>
+              <a:ext uri="{FF2B5EF4-FFF2-40B4-BE49-F238E27FC236}">
+                <a16:creationId xmlns:a16="http://schemas.microsoft.com/office/drawing/2014/main" id="{C8BE28D4-A568-46FD-91AD-3F72A08C2D72}"/>
+              </a:ext>
+            </a:extLst>
+          </p:cNvPr>
+          <p:cNvSpPr/>
+          <p:nvPr/>
+        </p:nvSpPr>
+        <p:spPr>
+          <a:xfrm>
+            <a:off x="6825045" y="4618654"/>
+            <a:ext cx="3629608" cy="1622308"/>
+          </a:xfrm>
+          <a:prstGeom prst="ellipse">
+            <a:avLst/>
+          </a:prstGeom>
+          <a:solidFill>
+            <a:schemeClr val="accent4">
+              <a:alpha val="50000"/>
+            </a:schemeClr>
+          </a:solidFill>
+          <a:ln>
+            <a:noFill/>
+          </a:ln>
+        </p:spPr>
+        <p:style>
+          <a:lnRef idx="0">
+            <a:scrgbClr r="0" g="0" b="0"/>
+          </a:lnRef>
+          <a:fillRef idx="0">
+            <a:scrgbClr r="0" g="0" b="0"/>
+          </a:fillRef>
+          <a:effectRef idx="0">
+            <a:scrgbClr r="0" g="0" b="0"/>
+          </a:effectRef>
+          <a:fontRef idx="minor">
+            <a:schemeClr val="lt1"/>
+          </a:fontRef>
+        </p:style>
+        <p:txBody>
+          <a:bodyPr rtlCol="0" anchor="ctr"/>
+          <a:lstStyle/>
+          <a:p>
+            <a:pPr algn="ctr"/>
+            <a:endParaRPr lang="zh-CN" altLang="en-US"/>
+          </a:p>
+        </p:txBody>
+      </p:sp>
+      <p:sp>
+        <p:nvSpPr>
+          <p:cNvPr id="34" name="椭圆 33">
+            <a:extLst>
+              <a:ext uri="{FF2B5EF4-FFF2-40B4-BE49-F238E27FC236}">
+                <a16:creationId xmlns:a16="http://schemas.microsoft.com/office/drawing/2014/main" id="{1D965ABC-03D5-4041-B1A5-0F42279AEBB3}"/>
+              </a:ext>
+            </a:extLst>
+          </p:cNvPr>
+          <p:cNvSpPr/>
+          <p:nvPr/>
+        </p:nvSpPr>
+        <p:spPr>
+          <a:xfrm>
+            <a:off x="3942157" y="3767641"/>
+            <a:ext cx="4286830" cy="1410849"/>
+          </a:xfrm>
+          <a:prstGeom prst="ellipse">
+            <a:avLst/>
+          </a:prstGeom>
+          <a:solidFill>
+            <a:schemeClr val="accent4">
+              <a:alpha val="50000"/>
+            </a:schemeClr>
+          </a:solidFill>
+          <a:ln>
+            <a:noFill/>
+          </a:ln>
+        </p:spPr>
+        <p:style>
+          <a:lnRef idx="0">
+            <a:scrgbClr r="0" g="0" b="0"/>
+          </a:lnRef>
+          <a:fillRef idx="0">
+            <a:scrgbClr r="0" g="0" b="0"/>
+          </a:fillRef>
+          <a:effectRef idx="0">
+            <a:scrgbClr r="0" g="0" b="0"/>
+          </a:effectRef>
+          <a:fontRef idx="minor">
+            <a:schemeClr val="lt1"/>
+          </a:fontRef>
+        </p:style>
+        <p:txBody>
+          <a:bodyPr rtlCol="0" anchor="ctr"/>
+          <a:lstStyle/>
+          <a:p>
+            <a:pPr algn="ctr"/>
+            <a:endParaRPr lang="zh-CN" altLang="en-US"/>
+          </a:p>
+        </p:txBody>
+      </p:sp>
+      <p:sp>
+        <p:nvSpPr>
+          <p:cNvPr id="35" name="椭圆 34">
+            <a:extLst>
+              <a:ext uri="{FF2B5EF4-FFF2-40B4-BE49-F238E27FC236}">
+                <a16:creationId xmlns:a16="http://schemas.microsoft.com/office/drawing/2014/main" id="{FB0940A0-B056-420D-8A0C-2EA6F785D624}"/>
+              </a:ext>
+            </a:extLst>
+          </p:cNvPr>
+          <p:cNvSpPr/>
+          <p:nvPr/>
+        </p:nvSpPr>
+        <p:spPr>
+          <a:xfrm>
+            <a:off x="681135" y="4749282"/>
+            <a:ext cx="4772292" cy="1502806"/>
+          </a:xfrm>
+          <a:prstGeom prst="ellipse">
+            <a:avLst/>
+          </a:prstGeom>
+          <a:solidFill>
+            <a:schemeClr val="accent4">
+              <a:alpha val="50000"/>
+            </a:schemeClr>
+          </a:solidFill>
+          <a:ln>
+            <a:noFill/>
+          </a:ln>
+        </p:spPr>
+        <p:style>
+          <a:lnRef idx="0">
+            <a:scrgbClr r="0" g="0" b="0"/>
+          </a:lnRef>
+          <a:fillRef idx="0">
+            <a:scrgbClr r="0" g="0" b="0"/>
+          </a:fillRef>
+          <a:effectRef idx="0">
+            <a:scrgbClr r="0" g="0" b="0"/>
+          </a:effectRef>
+          <a:fontRef idx="minor">
+            <a:schemeClr val="lt1"/>
+          </a:fontRef>
+        </p:style>
+        <p:txBody>
+          <a:bodyPr rtlCol="0" anchor="ctr"/>
+          <a:lstStyle/>
+          <a:p>
+            <a:pPr algn="ctr"/>
+            <a:endParaRPr lang="zh-CN" altLang="en-US"/>
+          </a:p>
+        </p:txBody>
+      </p:sp>
+      <p:sp>
+        <p:nvSpPr>
+          <p:cNvPr id="36" name="椭圆 35">
+            <a:extLst>
+              <a:ext uri="{FF2B5EF4-FFF2-40B4-BE49-F238E27FC236}">
+                <a16:creationId xmlns:a16="http://schemas.microsoft.com/office/drawing/2014/main" id="{A9996848-0081-4486-93AA-A1C617D34FFB}"/>
+              </a:ext>
+            </a:extLst>
+          </p:cNvPr>
+          <p:cNvSpPr/>
+          <p:nvPr/>
+        </p:nvSpPr>
+        <p:spPr>
+          <a:xfrm>
+            <a:off x="528192" y="2189120"/>
+            <a:ext cx="1919742" cy="2989370"/>
+          </a:xfrm>
+          <a:prstGeom prst="ellipse">
+            <a:avLst/>
+          </a:prstGeom>
+          <a:solidFill>
+            <a:schemeClr val="accent4">
+              <a:alpha val="50000"/>
+            </a:schemeClr>
+          </a:solidFill>
+          <a:ln>
+            <a:noFill/>
+          </a:ln>
+        </p:spPr>
+        <p:style>
+          <a:lnRef idx="0">
+            <a:scrgbClr r="0" g="0" b="0"/>
+          </a:lnRef>
+          <a:fillRef idx="0">
+            <a:scrgbClr r="0" g="0" b="0"/>
+          </a:fillRef>
+          <a:effectRef idx="0">
+            <a:scrgbClr r="0" g="0" b="0"/>
+          </a:effectRef>
+          <a:fontRef idx="minor">
+            <a:schemeClr val="lt1"/>
+          </a:fontRef>
+        </p:style>
+        <p:txBody>
+          <a:bodyPr rtlCol="0" anchor="ctr"/>
+          <a:lstStyle/>
+          <a:p>
+            <a:pPr algn="ctr"/>
+            <a:endParaRPr lang="zh-CN" altLang="en-US"/>
+          </a:p>
+        </p:txBody>
+      </p:sp>
+      <p:sp>
+        <p:nvSpPr>
+          <p:cNvPr id="44" name="椭圆 43">
+            <a:extLst>
+              <a:ext uri="{FF2B5EF4-FFF2-40B4-BE49-F238E27FC236}">
+                <a16:creationId xmlns:a16="http://schemas.microsoft.com/office/drawing/2014/main" id="{8AFB253F-4A25-4776-A72A-0A98E8F5D33E}"/>
+              </a:ext>
+            </a:extLst>
+          </p:cNvPr>
+          <p:cNvSpPr/>
+          <p:nvPr/>
+        </p:nvSpPr>
+        <p:spPr>
+          <a:xfrm>
+            <a:off x="2808514" y="1082352"/>
+            <a:ext cx="6383362" cy="2685290"/>
+          </a:xfrm>
+          <a:prstGeom prst="ellipse">
+            <a:avLst/>
+          </a:prstGeom>
+          <a:solidFill>
+            <a:schemeClr val="accent4">
+              <a:alpha val="50000"/>
+            </a:schemeClr>
+          </a:solidFill>
+          <a:ln>
+            <a:noFill/>
+          </a:ln>
+        </p:spPr>
+        <p:style>
+          <a:lnRef idx="0">
+            <a:scrgbClr r="0" g="0" b="0"/>
+          </a:lnRef>
+          <a:fillRef idx="0">
+            <a:scrgbClr r="0" g="0" b="0"/>
+          </a:fillRef>
+          <a:effectRef idx="0">
+            <a:scrgbClr r="0" g="0" b="0"/>
+          </a:effectRef>
+          <a:fontRef idx="minor">
+            <a:schemeClr val="lt1"/>
+          </a:fontRef>
+        </p:style>
+        <p:txBody>
+          <a:bodyPr rtlCol="0" anchor="ctr"/>
+          <a:lstStyle/>
+          <a:p>
+            <a:pPr algn="ctr"/>
+            <a:endParaRPr lang="zh-CN" altLang="en-US"/>
+          </a:p>
+        </p:txBody>
+      </p:sp>
+      <p:sp>
+        <p:nvSpPr>
+          <p:cNvPr id="45" name="矩形 44">
+            <a:extLst>
+              <a:ext uri="{FF2B5EF4-FFF2-40B4-BE49-F238E27FC236}">
+                <a16:creationId xmlns:a16="http://schemas.microsoft.com/office/drawing/2014/main" id="{87246067-2FF9-4C20-B379-029943CEA321}"/>
+              </a:ext>
+            </a:extLst>
+          </p:cNvPr>
+          <p:cNvSpPr/>
+          <p:nvPr/>
+        </p:nvSpPr>
+        <p:spPr>
+          <a:xfrm>
+            <a:off x="9458104" y="1213053"/>
+            <a:ext cx="1233833" cy="500134"/>
+          </a:xfrm>
+          <a:prstGeom prst="rect">
+            <a:avLst/>
+          </a:prstGeom>
+        </p:spPr>
+        <p:style>
+          <a:lnRef idx="2">
+            <a:schemeClr val="accent6"/>
+          </a:lnRef>
+          <a:fillRef idx="1">
+            <a:schemeClr val="lt1"/>
+          </a:fillRef>
+          <a:effectRef idx="0">
+            <a:schemeClr val="accent6"/>
+          </a:effectRef>
+          <a:fontRef idx="minor">
+            <a:schemeClr val="dk1"/>
+          </a:fontRef>
+        </p:style>
+        <p:txBody>
+          <a:bodyPr rtlCol="0" anchor="ctr"/>
+          <a:lstStyle/>
+          <a:p>
+            <a:pPr algn="ctr"/>
+            <a:r>
+              <a:rPr lang="zh-CN" altLang="en-US" sz="2400" dirty="0"/>
+              <a:t>障碍物</a:t>
+            </a:r>
+          </a:p>
+        </p:txBody>
+      </p:sp>
+      <p:cxnSp>
+        <p:nvCxnSpPr>
+          <p:cNvPr id="46" name="连接符: 肘形 45">
+            <a:extLst>
+              <a:ext uri="{FF2B5EF4-FFF2-40B4-BE49-F238E27FC236}">
+                <a16:creationId xmlns:a16="http://schemas.microsoft.com/office/drawing/2014/main" id="{B280A779-B8F8-4301-BA65-45E452748EA6}"/>
+              </a:ext>
+            </a:extLst>
+          </p:cNvPr>
+          <p:cNvCxnSpPr>
+            <a:cxnSpLocks/>
+            <a:stCxn id="44" idx="6"/>
+            <a:endCxn id="45" idx="1"/>
+          </p:cNvCxnSpPr>
+          <p:nvPr/>
+        </p:nvCxnSpPr>
+        <p:spPr>
+          <a:xfrm flipV="1">
+            <a:off x="9191876" y="1463120"/>
+            <a:ext cx="266228" cy="961877"/>
+          </a:xfrm>
+          <a:prstGeom prst="bentConnector3">
+            <a:avLst>
+              <a:gd name="adj1" fmla="val 50000"/>
+            </a:avLst>
+          </a:prstGeom>
+        </p:spPr>
+        <p:style>
+          <a:lnRef idx="3">
+            <a:schemeClr val="dk1"/>
+          </a:lnRef>
+          <a:fillRef idx="0">
+            <a:schemeClr val="dk1"/>
+          </a:fillRef>
+          <a:effectRef idx="2">
+            <a:schemeClr val="dk1"/>
+          </a:effectRef>
+          <a:fontRef idx="minor">
+            <a:schemeClr val="tx1"/>
+          </a:fontRef>
+        </p:style>
+      </p:cxnSp>
+    </p:spTree>
+    <p:extLst>
+      <p:ext uri="{BB962C8B-B14F-4D97-AF65-F5344CB8AC3E}">
+        <p14:creationId xmlns:p14="http://schemas.microsoft.com/office/powerpoint/2010/main" val="568019557"/>
+      </p:ext>
+    </p:extLst>
+  </p:cSld>
+  <p:clrMapOvr>
+    <a:masterClrMapping/>
+  </p:clrMapOvr>
+</p:sld>
+</file>
+
+<file path=ppt/slides/slide6.xml><?xml version="1.0" encoding="utf-8"?>
+<p:sld xmlns:a="http://schemas.openxmlformats.org/drawingml/2006/main" xmlns:r="http://schemas.openxmlformats.org/officeDocument/2006/relationships" xmlns:p="http://schemas.openxmlformats.org/presentationml/2006/main">
+  <p:cSld>
+    <p:bg>
+      <p:bgPr>
+        <a:solidFill>
+          <a:schemeClr val="bg1"/>
+        </a:solidFill>
+        <a:effectLst/>
+      </p:bgPr>
+    </p:bg>
+    <p:spTree>
+      <p:nvGrpSpPr>
+        <p:cNvPr id="1" name=""/>
+        <p:cNvGrpSpPr/>
+        <p:nvPr/>
+      </p:nvGrpSpPr>
+      <p:grpSpPr>
+        <a:xfrm>
+          <a:off x="0" y="0"/>
+          <a:ext cx="0" cy="0"/>
+          <a:chOff x="0" y="0"/>
+          <a:chExt cx="0" cy="0"/>
+        </a:xfrm>
+      </p:grpSpPr>
+      <p:pic>
+        <p:nvPicPr>
+          <p:cNvPr id="4" name="图片 3">
+            <a:extLst>
+              <a:ext uri="{FF2B5EF4-FFF2-40B4-BE49-F238E27FC236}">
+                <a16:creationId xmlns:a16="http://schemas.microsoft.com/office/drawing/2014/main" id="{F6BC0E1A-2B74-4AD0-AA28-55B98926C84F}"/>
+              </a:ext>
+            </a:extLst>
+          </p:cNvPr>
+          <p:cNvPicPr>
+            <a:picLocks noChangeAspect="1"/>
+          </p:cNvPicPr>
+          <p:nvPr/>
+        </p:nvPicPr>
+        <p:blipFill rotWithShape="1">
+          <a:blip r:embed="rId2"/>
+          <a:srcRect b="16045"/>
+          <a:stretch/>
+        </p:blipFill>
+        <p:spPr>
+          <a:xfrm>
+            <a:off x="20" y="10"/>
+            <a:ext cx="12191980" cy="6857990"/>
+          </a:xfrm>
+          <a:prstGeom prst="rect">
+            <a:avLst/>
+          </a:prstGeom>
+        </p:spPr>
+      </p:pic>
+      <p:sp>
+        <p:nvSpPr>
+          <p:cNvPr id="5" name="椭圆 4">
+            <a:extLst>
+              <a:ext uri="{FF2B5EF4-FFF2-40B4-BE49-F238E27FC236}">
+                <a16:creationId xmlns:a16="http://schemas.microsoft.com/office/drawing/2014/main" id="{B96668F7-E23E-41A4-99AA-96D43FD46F16}"/>
+              </a:ext>
+            </a:extLst>
+          </p:cNvPr>
+          <p:cNvSpPr/>
+          <p:nvPr/>
+        </p:nvSpPr>
+        <p:spPr>
+          <a:xfrm>
+            <a:off x="363894" y="-32653"/>
+            <a:ext cx="1732787" cy="942382"/>
+          </a:xfrm>
+          <a:prstGeom prst="ellipse">
+            <a:avLst/>
+          </a:prstGeom>
+          <a:solidFill>
+            <a:schemeClr val="accent4">
+              <a:alpha val="50000"/>
+            </a:schemeClr>
+          </a:solidFill>
+          <a:ln>
+            <a:noFill/>
+          </a:ln>
+        </p:spPr>
+        <p:style>
+          <a:lnRef idx="0">
+            <a:scrgbClr r="0" g="0" b="0"/>
+          </a:lnRef>
+          <a:fillRef idx="0">
+            <a:scrgbClr r="0" g="0" b="0"/>
+          </a:fillRef>
+          <a:effectRef idx="0">
+            <a:scrgbClr r="0" g="0" b="0"/>
+          </a:effectRef>
+          <a:fontRef idx="minor">
+            <a:schemeClr val="lt1"/>
+          </a:fontRef>
+        </p:style>
+        <p:txBody>
+          <a:bodyPr rtlCol="0" anchor="ctr"/>
+          <a:lstStyle/>
+          <a:p>
+            <a:pPr algn="ctr"/>
+            <a:endParaRPr lang="zh-CN" altLang="en-US"/>
+          </a:p>
+        </p:txBody>
+      </p:sp>
+      <p:sp>
+        <p:nvSpPr>
+          <p:cNvPr id="24" name="矩形 23">
+            <a:extLst>
+              <a:ext uri="{FF2B5EF4-FFF2-40B4-BE49-F238E27FC236}">
+                <a16:creationId xmlns:a16="http://schemas.microsoft.com/office/drawing/2014/main" id="{A2C3FACC-551F-40CB-9C80-4258E5399D59}"/>
+              </a:ext>
+            </a:extLst>
+          </p:cNvPr>
+          <p:cNvSpPr/>
+          <p:nvPr/>
+        </p:nvSpPr>
+        <p:spPr>
+          <a:xfrm>
+            <a:off x="482464" y="1138335"/>
+            <a:ext cx="1766214" cy="412877"/>
+          </a:xfrm>
+          <a:prstGeom prst="rect">
+            <a:avLst/>
+          </a:prstGeom>
+        </p:spPr>
+        <p:style>
+          <a:lnRef idx="2">
+            <a:schemeClr val="accent6"/>
+          </a:lnRef>
+          <a:fillRef idx="1">
+            <a:schemeClr val="lt1"/>
+          </a:fillRef>
+          <a:effectRef idx="0">
+            <a:schemeClr val="accent6"/>
+          </a:effectRef>
+          <a:fontRef idx="minor">
+            <a:schemeClr val="dk1"/>
+          </a:fontRef>
+        </p:style>
+        <p:txBody>
+          <a:bodyPr rtlCol="0" anchor="ctr"/>
+          <a:lstStyle/>
+          <a:p>
+            <a:pPr algn="ctr"/>
+            <a:r>
+              <a:rPr lang="zh-CN" altLang="en-US" sz="2400" dirty="0"/>
+              <a:t>现有的金币</a:t>
+            </a:r>
+          </a:p>
+        </p:txBody>
+      </p:sp>
+      <p:cxnSp>
+        <p:nvCxnSpPr>
+          <p:cNvPr id="28" name="连接符: 肘形 27">
+            <a:extLst>
+              <a:ext uri="{FF2B5EF4-FFF2-40B4-BE49-F238E27FC236}">
+                <a16:creationId xmlns:a16="http://schemas.microsoft.com/office/drawing/2014/main" id="{16D4BADB-20BD-4C19-8888-FADF8E2FD0EA}"/>
+              </a:ext>
+            </a:extLst>
+          </p:cNvPr>
+          <p:cNvCxnSpPr>
+            <a:cxnSpLocks/>
+            <a:stCxn id="5" idx="2"/>
+            <a:endCxn id="24" idx="1"/>
+          </p:cNvCxnSpPr>
+          <p:nvPr/>
+        </p:nvCxnSpPr>
+        <p:spPr>
+          <a:xfrm rot="10800000" flipH="1" flipV="1">
+            <a:off x="363894" y="438538"/>
+            <a:ext cx="118570" cy="906236"/>
+          </a:xfrm>
+          <a:prstGeom prst="bentConnector3">
+            <a:avLst>
+              <a:gd name="adj1" fmla="val -192798"/>
+            </a:avLst>
+          </a:prstGeom>
+        </p:spPr>
+        <p:style>
+          <a:lnRef idx="3">
+            <a:schemeClr val="dk1"/>
+          </a:lnRef>
+          <a:fillRef idx="0">
+            <a:schemeClr val="dk1"/>
+          </a:fillRef>
+          <a:effectRef idx="2">
+            <a:schemeClr val="dk1"/>
+          </a:effectRef>
+          <a:fontRef idx="minor">
+            <a:schemeClr val="tx1"/>
+          </a:fontRef>
+        </p:style>
+      </p:cxnSp>
+      <p:sp>
+        <p:nvSpPr>
+          <p:cNvPr id="38" name="椭圆 37">
+            <a:extLst>
+              <a:ext uri="{FF2B5EF4-FFF2-40B4-BE49-F238E27FC236}">
+                <a16:creationId xmlns:a16="http://schemas.microsoft.com/office/drawing/2014/main" id="{E4ED6A08-0AE3-4D1B-8E28-1601CCEF0653}"/>
+              </a:ext>
+            </a:extLst>
+          </p:cNvPr>
+          <p:cNvSpPr/>
+          <p:nvPr/>
+        </p:nvSpPr>
+        <p:spPr>
+          <a:xfrm>
+            <a:off x="809056" y="4398217"/>
+            <a:ext cx="3165785" cy="1312117"/>
+          </a:xfrm>
+          <a:prstGeom prst="ellipse">
+            <a:avLst/>
+          </a:prstGeom>
+          <a:solidFill>
+            <a:schemeClr val="accent4">
+              <a:alpha val="50000"/>
+            </a:schemeClr>
+          </a:solidFill>
+          <a:ln>
+            <a:noFill/>
+          </a:ln>
+        </p:spPr>
+        <p:style>
+          <a:lnRef idx="0">
+            <a:scrgbClr r="0" g="0" b="0"/>
+          </a:lnRef>
+          <a:fillRef idx="0">
+            <a:scrgbClr r="0" g="0" b="0"/>
+          </a:fillRef>
+          <a:effectRef idx="0">
+            <a:scrgbClr r="0" g="0" b="0"/>
+          </a:effectRef>
+          <a:fontRef idx="minor">
+            <a:schemeClr val="lt1"/>
+          </a:fontRef>
+        </p:style>
+        <p:txBody>
+          <a:bodyPr rtlCol="0" anchor="ctr"/>
+          <a:lstStyle/>
+          <a:p>
+            <a:pPr algn="ctr"/>
+            <a:endParaRPr lang="zh-CN" altLang="en-US"/>
+          </a:p>
+        </p:txBody>
+      </p:sp>
+      <p:sp>
+        <p:nvSpPr>
+          <p:cNvPr id="39" name="矩形 38">
+            <a:extLst>
+              <a:ext uri="{FF2B5EF4-FFF2-40B4-BE49-F238E27FC236}">
+                <a16:creationId xmlns:a16="http://schemas.microsoft.com/office/drawing/2014/main" id="{A0650F0C-6DEC-4D28-B6E9-7AD402815D9D}"/>
+              </a:ext>
+            </a:extLst>
+          </p:cNvPr>
+          <p:cNvSpPr/>
+          <p:nvPr/>
+        </p:nvSpPr>
+        <p:spPr>
+          <a:xfrm>
+            <a:off x="2984194" y="3312954"/>
+            <a:ext cx="850688" cy="390136"/>
+          </a:xfrm>
+          <a:prstGeom prst="rect">
+            <a:avLst/>
+          </a:prstGeom>
+        </p:spPr>
+        <p:style>
+          <a:lnRef idx="2">
+            <a:schemeClr val="accent6"/>
+          </a:lnRef>
+          <a:fillRef idx="1">
+            <a:schemeClr val="lt1"/>
+          </a:fillRef>
+          <a:effectRef idx="0">
+            <a:schemeClr val="accent6"/>
+          </a:effectRef>
+          <a:fontRef idx="minor">
+            <a:schemeClr val="dk1"/>
+          </a:fontRef>
+        </p:style>
+        <p:txBody>
+          <a:bodyPr rtlCol="0" anchor="ctr"/>
+          <a:lstStyle/>
+          <a:p>
+            <a:pPr algn="ctr"/>
+            <a:r>
+              <a:rPr lang="zh-CN" altLang="en-US" sz="2400" dirty="0"/>
+              <a:t>怪兽</a:t>
+            </a:r>
+          </a:p>
+        </p:txBody>
+      </p:sp>
+      <p:cxnSp>
+        <p:nvCxnSpPr>
+          <p:cNvPr id="40" name="连接符: 肘形 39">
+            <a:extLst>
+              <a:ext uri="{FF2B5EF4-FFF2-40B4-BE49-F238E27FC236}">
+                <a16:creationId xmlns:a16="http://schemas.microsoft.com/office/drawing/2014/main" id="{535C191F-96D3-4EFD-99AB-113F1C27C659}"/>
+              </a:ext>
+            </a:extLst>
+          </p:cNvPr>
+          <p:cNvCxnSpPr>
+            <a:cxnSpLocks/>
+            <a:stCxn id="38" idx="0"/>
+            <a:endCxn id="39" idx="1"/>
+          </p:cNvCxnSpPr>
+          <p:nvPr/>
+        </p:nvCxnSpPr>
+        <p:spPr>
+          <a:xfrm rot="5400000" flipH="1" flipV="1">
+            <a:off x="2242974" y="3656998"/>
+            <a:ext cx="890195" cy="592245"/>
+          </a:xfrm>
+          <a:prstGeom prst="bentConnector2">
+            <a:avLst/>
+          </a:prstGeom>
+        </p:spPr>
+        <p:style>
+          <a:lnRef idx="3">
+            <a:schemeClr val="dk1"/>
+          </a:lnRef>
+          <a:fillRef idx="0">
+            <a:schemeClr val="dk1"/>
+          </a:fillRef>
+          <a:effectRef idx="2">
+            <a:schemeClr val="dk1"/>
+          </a:effectRef>
+          <a:fontRef idx="minor">
+            <a:schemeClr val="tx1"/>
+          </a:fontRef>
+        </p:style>
+      </p:cxnSp>
+      <p:sp>
+        <p:nvSpPr>
+          <p:cNvPr id="50" name="椭圆 49">
+            <a:extLst>
+              <a:ext uri="{FF2B5EF4-FFF2-40B4-BE49-F238E27FC236}">
+                <a16:creationId xmlns:a16="http://schemas.microsoft.com/office/drawing/2014/main" id="{94744021-0A71-48CC-923C-87F805D98107}"/>
+              </a:ext>
+            </a:extLst>
+          </p:cNvPr>
+          <p:cNvSpPr/>
+          <p:nvPr/>
+        </p:nvSpPr>
+        <p:spPr>
+          <a:xfrm>
+            <a:off x="9966333" y="1344774"/>
+            <a:ext cx="2271377" cy="1586207"/>
+          </a:xfrm>
+          <a:prstGeom prst="ellipse">
+            <a:avLst/>
+          </a:prstGeom>
+          <a:solidFill>
+            <a:schemeClr val="accent4">
+              <a:alpha val="50000"/>
+            </a:schemeClr>
+          </a:solidFill>
+          <a:ln>
+            <a:noFill/>
+          </a:ln>
+        </p:spPr>
+        <p:style>
+          <a:lnRef idx="0">
+            <a:scrgbClr r="0" g="0" b="0"/>
+          </a:lnRef>
+          <a:fillRef idx="0">
+            <a:scrgbClr r="0" g="0" b="0"/>
+          </a:fillRef>
+          <a:effectRef idx="0">
+            <a:scrgbClr r="0" g="0" b="0"/>
+          </a:effectRef>
+          <a:fontRef idx="minor">
+            <a:schemeClr val="lt1"/>
+          </a:fontRef>
+        </p:style>
+        <p:txBody>
+          <a:bodyPr rtlCol="0" anchor="ctr"/>
+          <a:lstStyle/>
+          <a:p>
+            <a:pPr algn="ctr"/>
+            <a:endParaRPr lang="zh-CN" altLang="en-US"/>
+          </a:p>
+        </p:txBody>
+      </p:sp>
+      <p:sp>
+        <p:nvSpPr>
+          <p:cNvPr id="51" name="矩形 50">
+            <a:extLst>
+              <a:ext uri="{FF2B5EF4-FFF2-40B4-BE49-F238E27FC236}">
+                <a16:creationId xmlns:a16="http://schemas.microsoft.com/office/drawing/2014/main" id="{8EEBA370-DC3B-401B-940A-1BEED7E2C666}"/>
+              </a:ext>
+            </a:extLst>
+          </p:cNvPr>
+          <p:cNvSpPr/>
+          <p:nvPr/>
+        </p:nvSpPr>
+        <p:spPr>
+          <a:xfrm>
+            <a:off x="8995095" y="2930981"/>
+            <a:ext cx="848702" cy="390136"/>
+          </a:xfrm>
+          <a:prstGeom prst="rect">
+            <a:avLst/>
+          </a:prstGeom>
+        </p:spPr>
+        <p:style>
+          <a:lnRef idx="2">
+            <a:schemeClr val="accent6"/>
+          </a:lnRef>
+          <a:fillRef idx="1">
+            <a:schemeClr val="lt1"/>
+          </a:fillRef>
+          <a:effectRef idx="0">
+            <a:schemeClr val="accent6"/>
+          </a:effectRef>
+          <a:fontRef idx="minor">
+            <a:schemeClr val="dk1"/>
+          </a:fontRef>
+        </p:style>
+        <p:txBody>
+          <a:bodyPr rtlCol="0" anchor="ctr"/>
+          <a:lstStyle/>
+          <a:p>
+            <a:pPr algn="ctr"/>
+            <a:r>
+              <a:rPr lang="zh-CN" altLang="en-US" sz="2400" dirty="0"/>
+              <a:t>终点</a:t>
+            </a:r>
+          </a:p>
+        </p:txBody>
+      </p:sp>
+      <p:cxnSp>
+        <p:nvCxnSpPr>
+          <p:cNvPr id="52" name="连接符: 肘形 51">
+            <a:extLst>
+              <a:ext uri="{FF2B5EF4-FFF2-40B4-BE49-F238E27FC236}">
+                <a16:creationId xmlns:a16="http://schemas.microsoft.com/office/drawing/2014/main" id="{9301D39B-9232-457D-8216-B0C5E5F1F1F1}"/>
+              </a:ext>
+            </a:extLst>
+          </p:cNvPr>
+          <p:cNvCxnSpPr>
+            <a:cxnSpLocks/>
+            <a:stCxn id="50" idx="2"/>
+            <a:endCxn id="51" idx="0"/>
+          </p:cNvCxnSpPr>
+          <p:nvPr/>
+        </p:nvCxnSpPr>
+        <p:spPr>
+          <a:xfrm rot="10800000" flipV="1">
+            <a:off x="9419447" y="2137877"/>
+            <a:ext cx="546887" cy="793103"/>
+          </a:xfrm>
+          <a:prstGeom prst="bentConnector2">
+            <a:avLst/>
+          </a:prstGeom>
+        </p:spPr>
+        <p:style>
+          <a:lnRef idx="3">
+            <a:schemeClr val="dk1"/>
+          </a:lnRef>
+          <a:fillRef idx="0">
+            <a:schemeClr val="dk1"/>
+          </a:fillRef>
+          <a:effectRef idx="2">
+            <a:schemeClr val="dk1"/>
+          </a:effectRef>
+          <a:fontRef idx="minor">
+            <a:schemeClr val="tx1"/>
+          </a:fontRef>
+        </p:style>
+      </p:cxnSp>
+      <p:sp>
+        <p:nvSpPr>
+          <p:cNvPr id="67" name="椭圆 66">
+            <a:extLst>
+              <a:ext uri="{FF2B5EF4-FFF2-40B4-BE49-F238E27FC236}">
+                <a16:creationId xmlns:a16="http://schemas.microsoft.com/office/drawing/2014/main" id="{FE406015-F5AA-4FB4-9655-EAF051C176A4}"/>
+              </a:ext>
+            </a:extLst>
+          </p:cNvPr>
+          <p:cNvSpPr/>
+          <p:nvPr/>
+        </p:nvSpPr>
+        <p:spPr>
+          <a:xfrm>
+            <a:off x="5117649" y="4989903"/>
+            <a:ext cx="2010939" cy="1093656"/>
+          </a:xfrm>
+          <a:prstGeom prst="ellipse">
+            <a:avLst/>
+          </a:prstGeom>
+          <a:solidFill>
+            <a:schemeClr val="accent4">
+              <a:alpha val="50000"/>
+            </a:schemeClr>
+          </a:solidFill>
+          <a:ln>
+            <a:noFill/>
+          </a:ln>
+        </p:spPr>
+        <p:style>
+          <a:lnRef idx="0">
+            <a:scrgbClr r="0" g="0" b="0"/>
+          </a:lnRef>
+          <a:fillRef idx="0">
+            <a:scrgbClr r="0" g="0" b="0"/>
+          </a:fillRef>
+          <a:effectRef idx="0">
+            <a:scrgbClr r="0" g="0" b="0"/>
+          </a:effectRef>
+          <a:fontRef idx="minor">
+            <a:schemeClr val="lt1"/>
+          </a:fontRef>
+        </p:style>
+        <p:txBody>
+          <a:bodyPr rtlCol="0" anchor="ctr"/>
+          <a:lstStyle/>
+          <a:p>
+            <a:pPr algn="ctr"/>
+            <a:endParaRPr lang="zh-CN" altLang="en-US"/>
+          </a:p>
+        </p:txBody>
+      </p:sp>
+      <p:sp>
+        <p:nvSpPr>
+          <p:cNvPr id="68" name="矩形 67">
+            <a:extLst>
+              <a:ext uri="{FF2B5EF4-FFF2-40B4-BE49-F238E27FC236}">
+                <a16:creationId xmlns:a16="http://schemas.microsoft.com/office/drawing/2014/main" id="{0F0BB140-F425-4DA6-AED5-44811338EF3E}"/>
+              </a:ext>
+            </a:extLst>
+          </p:cNvPr>
+          <p:cNvSpPr/>
+          <p:nvPr/>
+        </p:nvSpPr>
+        <p:spPr>
+          <a:xfrm>
+            <a:off x="7429299" y="6252088"/>
+            <a:ext cx="1766214" cy="412877"/>
+          </a:xfrm>
+          <a:prstGeom prst="rect">
+            <a:avLst/>
+          </a:prstGeom>
+        </p:spPr>
+        <p:style>
+          <a:lnRef idx="2">
+            <a:schemeClr val="accent6"/>
+          </a:lnRef>
+          <a:fillRef idx="1">
+            <a:schemeClr val="lt1"/>
+          </a:fillRef>
+          <a:effectRef idx="0">
+            <a:schemeClr val="accent6"/>
+          </a:effectRef>
+          <a:fontRef idx="minor">
+            <a:schemeClr val="dk1"/>
+          </a:fontRef>
+        </p:style>
+        <p:txBody>
+          <a:bodyPr rtlCol="0" anchor="ctr"/>
+          <a:lstStyle/>
+          <a:p>
+            <a:pPr algn="ctr"/>
+            <a:r>
+              <a:rPr lang="zh-CN" altLang="en-US" sz="2400" dirty="0"/>
+              <a:t>障碍物</a:t>
+            </a:r>
+          </a:p>
+        </p:txBody>
+      </p:sp>
+      <p:cxnSp>
+        <p:nvCxnSpPr>
+          <p:cNvPr id="69" name="连接符: 肘形 68">
+            <a:extLst>
+              <a:ext uri="{FF2B5EF4-FFF2-40B4-BE49-F238E27FC236}">
+                <a16:creationId xmlns:a16="http://schemas.microsoft.com/office/drawing/2014/main" id="{7D45B4D4-2948-4EA3-9B81-B17B6197679B}"/>
+              </a:ext>
+            </a:extLst>
+          </p:cNvPr>
+          <p:cNvCxnSpPr>
+            <a:cxnSpLocks/>
+            <a:stCxn id="67" idx="4"/>
+            <a:endCxn id="68" idx="1"/>
+          </p:cNvCxnSpPr>
+          <p:nvPr/>
+        </p:nvCxnSpPr>
+        <p:spPr>
+          <a:xfrm rot="16200000" flipH="1">
+            <a:off x="6588725" y="5617953"/>
+            <a:ext cx="374968" cy="1306180"/>
+          </a:xfrm>
+          <a:prstGeom prst="bentConnector2">
+            <a:avLst/>
+          </a:prstGeom>
+        </p:spPr>
+        <p:style>
+          <a:lnRef idx="3">
+            <a:schemeClr val="dk1"/>
+          </a:lnRef>
+          <a:fillRef idx="0">
+            <a:schemeClr val="dk1"/>
+          </a:fillRef>
+          <a:effectRef idx="2">
+            <a:schemeClr val="dk1"/>
+          </a:effectRef>
+          <a:fontRef idx="minor">
+            <a:schemeClr val="tx1"/>
+          </a:fontRef>
+        </p:style>
+      </p:cxnSp>
+      <p:sp>
+        <p:nvSpPr>
+          <p:cNvPr id="75" name="椭圆 74">
+            <a:extLst>
+              <a:ext uri="{FF2B5EF4-FFF2-40B4-BE49-F238E27FC236}">
+                <a16:creationId xmlns:a16="http://schemas.microsoft.com/office/drawing/2014/main" id="{AD4E2233-FF03-4978-9E2D-68B6BD776FB5}"/>
+              </a:ext>
+            </a:extLst>
+          </p:cNvPr>
+          <p:cNvSpPr/>
+          <p:nvPr/>
+        </p:nvSpPr>
+        <p:spPr>
+          <a:xfrm>
+            <a:off x="883701" y="1621775"/>
+            <a:ext cx="1287625" cy="780272"/>
+          </a:xfrm>
+          <a:prstGeom prst="ellipse">
+            <a:avLst/>
+          </a:prstGeom>
+          <a:solidFill>
+            <a:schemeClr val="accent4">
+              <a:alpha val="50000"/>
+            </a:schemeClr>
+          </a:solidFill>
+          <a:ln>
+            <a:noFill/>
+          </a:ln>
+        </p:spPr>
+        <p:style>
+          <a:lnRef idx="0">
+            <a:scrgbClr r="0" g="0" b="0"/>
+          </a:lnRef>
+          <a:fillRef idx="0">
+            <a:scrgbClr r="0" g="0" b="0"/>
+          </a:fillRef>
+          <a:effectRef idx="0">
+            <a:scrgbClr r="0" g="0" b="0"/>
+          </a:effectRef>
+          <a:fontRef idx="minor">
+            <a:schemeClr val="lt1"/>
+          </a:fontRef>
+        </p:style>
+        <p:txBody>
+          <a:bodyPr rtlCol="0" anchor="ctr"/>
+          <a:lstStyle/>
+          <a:p>
+            <a:pPr algn="ctr"/>
+            <a:endParaRPr lang="zh-CN" altLang="en-US"/>
+          </a:p>
+        </p:txBody>
+      </p:sp>
+      <p:sp>
+        <p:nvSpPr>
+          <p:cNvPr id="76" name="矩形 75">
+            <a:extLst>
+              <a:ext uri="{FF2B5EF4-FFF2-40B4-BE49-F238E27FC236}">
+                <a16:creationId xmlns:a16="http://schemas.microsoft.com/office/drawing/2014/main" id="{58464BFE-3518-4D82-BC4E-145AD470F9EC}"/>
+              </a:ext>
+            </a:extLst>
+          </p:cNvPr>
+          <p:cNvSpPr/>
+          <p:nvPr/>
+        </p:nvSpPr>
+        <p:spPr>
+          <a:xfrm>
+            <a:off x="2391948" y="2514603"/>
+            <a:ext cx="850688" cy="390136"/>
+          </a:xfrm>
+          <a:prstGeom prst="rect">
+            <a:avLst/>
+          </a:prstGeom>
+        </p:spPr>
+        <p:style>
+          <a:lnRef idx="2">
+            <a:schemeClr val="accent6"/>
+          </a:lnRef>
+          <a:fillRef idx="1">
+            <a:schemeClr val="lt1"/>
+          </a:fillRef>
+          <a:effectRef idx="0">
+            <a:schemeClr val="accent6"/>
+          </a:effectRef>
+          <a:fontRef idx="minor">
+            <a:schemeClr val="dk1"/>
+          </a:fontRef>
+        </p:style>
+        <p:txBody>
+          <a:bodyPr rtlCol="0" anchor="ctr"/>
+          <a:lstStyle/>
+          <a:p>
+            <a:pPr algn="ctr"/>
+            <a:r>
+              <a:rPr lang="zh-CN" altLang="en-US" sz="2400" dirty="0"/>
+              <a:t>起点</a:t>
+            </a:r>
+          </a:p>
+        </p:txBody>
+      </p:sp>
+      <p:cxnSp>
+        <p:nvCxnSpPr>
+          <p:cNvPr id="77" name="连接符: 肘形 76">
+            <a:extLst>
+              <a:ext uri="{FF2B5EF4-FFF2-40B4-BE49-F238E27FC236}">
+                <a16:creationId xmlns:a16="http://schemas.microsoft.com/office/drawing/2014/main" id="{CE473E69-5C4F-4B8A-81E1-C18BE44B817B}"/>
+              </a:ext>
+            </a:extLst>
+          </p:cNvPr>
+          <p:cNvCxnSpPr>
+            <a:cxnSpLocks/>
+            <a:stCxn id="75" idx="6"/>
+            <a:endCxn id="76" idx="1"/>
+          </p:cNvCxnSpPr>
+          <p:nvPr/>
+        </p:nvCxnSpPr>
+        <p:spPr>
+          <a:xfrm>
+            <a:off x="2171326" y="2011911"/>
+            <a:ext cx="220622" cy="697760"/>
+          </a:xfrm>
+          <a:prstGeom prst="bentConnector3">
+            <a:avLst>
+              <a:gd name="adj1" fmla="val 50000"/>
+            </a:avLst>
+          </a:prstGeom>
+        </p:spPr>
+        <p:style>
+          <a:lnRef idx="3">
+            <a:schemeClr val="dk1"/>
+          </a:lnRef>
+          <a:fillRef idx="0">
+            <a:schemeClr val="dk1"/>
+          </a:fillRef>
+          <a:effectRef idx="2">
+            <a:schemeClr val="dk1"/>
+          </a:effectRef>
+          <a:fontRef idx="minor">
+            <a:schemeClr val="tx1"/>
+          </a:fontRef>
+        </p:style>
+      </p:cxnSp>
+      <p:sp>
+        <p:nvSpPr>
+          <p:cNvPr id="84" name="椭圆 83">
+            <a:extLst>
+              <a:ext uri="{FF2B5EF4-FFF2-40B4-BE49-F238E27FC236}">
+                <a16:creationId xmlns:a16="http://schemas.microsoft.com/office/drawing/2014/main" id="{601A87C9-F78A-4A71-B6AE-DD97B3759370}"/>
+              </a:ext>
+            </a:extLst>
+          </p:cNvPr>
+          <p:cNvSpPr/>
+          <p:nvPr/>
+        </p:nvSpPr>
+        <p:spPr>
+          <a:xfrm>
+            <a:off x="5117649" y="39957"/>
+            <a:ext cx="1867245" cy="780272"/>
+          </a:xfrm>
+          <a:prstGeom prst="ellipse">
+            <a:avLst/>
+          </a:prstGeom>
+          <a:solidFill>
+            <a:schemeClr val="accent4">
+              <a:alpha val="50000"/>
+            </a:schemeClr>
+          </a:solidFill>
+          <a:ln>
+            <a:noFill/>
+          </a:ln>
+        </p:spPr>
+        <p:style>
+          <a:lnRef idx="0">
+            <a:scrgbClr r="0" g="0" b="0"/>
+          </a:lnRef>
+          <a:fillRef idx="0">
+            <a:scrgbClr r="0" g="0" b="0"/>
+          </a:fillRef>
+          <a:effectRef idx="0">
+            <a:scrgbClr r="0" g="0" b="0"/>
+          </a:effectRef>
+          <a:fontRef idx="minor">
+            <a:schemeClr val="lt1"/>
+          </a:fontRef>
+        </p:style>
+        <p:txBody>
+          <a:bodyPr rtlCol="0" anchor="ctr"/>
+          <a:lstStyle/>
+          <a:p>
+            <a:pPr algn="ctr"/>
+            <a:endParaRPr lang="zh-CN" altLang="en-US"/>
+          </a:p>
+        </p:txBody>
+      </p:sp>
+      <p:sp>
+        <p:nvSpPr>
+          <p:cNvPr id="85" name="矩形 84">
+            <a:extLst>
+              <a:ext uri="{FF2B5EF4-FFF2-40B4-BE49-F238E27FC236}">
+                <a16:creationId xmlns:a16="http://schemas.microsoft.com/office/drawing/2014/main" id="{050F16D9-9509-4044-98E3-4EB0E4C83438}"/>
+              </a:ext>
+            </a:extLst>
+          </p:cNvPr>
+          <p:cNvSpPr/>
+          <p:nvPr/>
+        </p:nvSpPr>
+        <p:spPr>
+          <a:xfrm>
+            <a:off x="3386941" y="1019682"/>
+            <a:ext cx="1596236" cy="390136"/>
+          </a:xfrm>
+          <a:prstGeom prst="rect">
+            <a:avLst/>
+          </a:prstGeom>
+        </p:spPr>
+        <p:style>
+          <a:lnRef idx="2">
+            <a:schemeClr val="accent6"/>
+          </a:lnRef>
+          <a:fillRef idx="1">
+            <a:schemeClr val="lt1"/>
+          </a:fillRef>
+          <a:effectRef idx="0">
+            <a:schemeClr val="accent6"/>
+          </a:effectRef>
+          <a:fontRef idx="minor">
+            <a:schemeClr val="dk1"/>
+          </a:fontRef>
+        </p:style>
+        <p:txBody>
+          <a:bodyPr rtlCol="0" anchor="ctr"/>
+          <a:lstStyle/>
+          <a:p>
+            <a:pPr algn="ctr"/>
+            <a:r>
+              <a:rPr lang="zh-CN" altLang="en-US" sz="2400" dirty="0"/>
+              <a:t>游戏状态</a:t>
+            </a:r>
+          </a:p>
+        </p:txBody>
+      </p:sp>
+      <p:cxnSp>
+        <p:nvCxnSpPr>
+          <p:cNvPr id="86" name="连接符: 肘形 85">
+            <a:extLst>
+              <a:ext uri="{FF2B5EF4-FFF2-40B4-BE49-F238E27FC236}">
+                <a16:creationId xmlns:a16="http://schemas.microsoft.com/office/drawing/2014/main" id="{9F91FD21-CC05-43ED-A81D-133A5C2EA474}"/>
+              </a:ext>
+            </a:extLst>
+          </p:cNvPr>
+          <p:cNvCxnSpPr>
+            <a:cxnSpLocks/>
+            <a:stCxn id="84" idx="3"/>
+            <a:endCxn id="85" idx="3"/>
+          </p:cNvCxnSpPr>
+          <p:nvPr/>
+        </p:nvCxnSpPr>
+        <p:spPr>
+          <a:xfrm rot="5400000">
+            <a:off x="4932745" y="756393"/>
+            <a:ext cx="508789" cy="407924"/>
+          </a:xfrm>
+          <a:prstGeom prst="bentConnector2">
+            <a:avLst/>
+          </a:prstGeom>
+        </p:spPr>
+        <p:style>
+          <a:lnRef idx="3">
+            <a:schemeClr val="dk1"/>
+          </a:lnRef>
+          <a:fillRef idx="0">
+            <a:schemeClr val="dk1"/>
+          </a:fillRef>
+          <a:effectRef idx="2">
+            <a:schemeClr val="dk1"/>
+          </a:effectRef>
+          <a:fontRef idx="minor">
+            <a:schemeClr val="tx1"/>
+          </a:fontRef>
+        </p:style>
+      </p:cxnSp>
+      <p:sp>
+        <p:nvSpPr>
+          <p:cNvPr id="97" name="椭圆 96">
+            <a:extLst>
+              <a:ext uri="{FF2B5EF4-FFF2-40B4-BE49-F238E27FC236}">
+                <a16:creationId xmlns:a16="http://schemas.microsoft.com/office/drawing/2014/main" id="{CD260339-43C7-46A3-9908-63C6B659A720}"/>
+              </a:ext>
+            </a:extLst>
+          </p:cNvPr>
+          <p:cNvSpPr/>
+          <p:nvPr/>
+        </p:nvSpPr>
+        <p:spPr>
+          <a:xfrm>
+            <a:off x="8089844" y="2"/>
+            <a:ext cx="2603038" cy="780272"/>
+          </a:xfrm>
+          <a:prstGeom prst="ellipse">
+            <a:avLst/>
+          </a:prstGeom>
+          <a:solidFill>
+            <a:schemeClr val="accent4">
+              <a:alpha val="50000"/>
+            </a:schemeClr>
+          </a:solidFill>
+          <a:ln>
+            <a:noFill/>
+          </a:ln>
+        </p:spPr>
+        <p:style>
+          <a:lnRef idx="0">
+            <a:scrgbClr r="0" g="0" b="0"/>
+          </a:lnRef>
+          <a:fillRef idx="0">
+            <a:scrgbClr r="0" g="0" b="0"/>
+          </a:fillRef>
+          <a:effectRef idx="0">
+            <a:scrgbClr r="0" g="0" b="0"/>
+          </a:effectRef>
+          <a:fontRef idx="minor">
+            <a:schemeClr val="lt1"/>
+          </a:fontRef>
+        </p:style>
+        <p:txBody>
+          <a:bodyPr rtlCol="0" anchor="ctr"/>
+          <a:lstStyle/>
+          <a:p>
+            <a:pPr algn="ctr"/>
+            <a:endParaRPr lang="zh-CN" altLang="en-US"/>
+          </a:p>
+        </p:txBody>
+      </p:sp>
+      <p:sp>
+        <p:nvSpPr>
+          <p:cNvPr id="98" name="矩形 97">
+            <a:extLst>
+              <a:ext uri="{FF2B5EF4-FFF2-40B4-BE49-F238E27FC236}">
+                <a16:creationId xmlns:a16="http://schemas.microsoft.com/office/drawing/2014/main" id="{59FB37CC-1E27-49FE-BE2A-F62A515D96F4}"/>
+              </a:ext>
+            </a:extLst>
+          </p:cNvPr>
+          <p:cNvSpPr/>
+          <p:nvPr/>
+        </p:nvSpPr>
+        <p:spPr>
+          <a:xfrm>
+            <a:off x="6964735" y="1049122"/>
+            <a:ext cx="1427966" cy="797161"/>
+          </a:xfrm>
+          <a:prstGeom prst="rect">
+            <a:avLst/>
+          </a:prstGeom>
+        </p:spPr>
+        <p:style>
+          <a:lnRef idx="2">
+            <a:schemeClr val="accent6"/>
+          </a:lnRef>
+          <a:fillRef idx="1">
+            <a:schemeClr val="lt1"/>
+          </a:fillRef>
+          <a:effectRef idx="0">
+            <a:schemeClr val="accent6"/>
+          </a:effectRef>
+          <a:fontRef idx="minor">
+            <a:schemeClr val="dk1"/>
+          </a:fontRef>
+        </p:style>
+        <p:txBody>
+          <a:bodyPr rtlCol="0" anchor="ctr"/>
+          <a:lstStyle/>
+          <a:p>
+            <a:pPr algn="ctr"/>
+            <a:r>
+              <a:rPr lang="zh-CN" altLang="en-US" sz="2400" dirty="0"/>
+              <a:t>游戏倍数及暂停</a:t>
+            </a:r>
+          </a:p>
+        </p:txBody>
+      </p:sp>
+      <p:cxnSp>
+        <p:nvCxnSpPr>
+          <p:cNvPr id="99" name="连接符: 肘形 98">
+            <a:extLst>
+              <a:ext uri="{FF2B5EF4-FFF2-40B4-BE49-F238E27FC236}">
+                <a16:creationId xmlns:a16="http://schemas.microsoft.com/office/drawing/2014/main" id="{CBB4C93F-00C3-4E67-A26D-571F81487E66}"/>
+              </a:ext>
+            </a:extLst>
+          </p:cNvPr>
+          <p:cNvCxnSpPr>
+            <a:cxnSpLocks/>
+            <a:stCxn id="97" idx="2"/>
+            <a:endCxn id="98" idx="0"/>
+          </p:cNvCxnSpPr>
+          <p:nvPr/>
+        </p:nvCxnSpPr>
+        <p:spPr>
+          <a:xfrm rot="10800000" flipV="1">
+            <a:off x="7678718" y="390138"/>
+            <a:ext cx="411126" cy="658984"/>
+          </a:xfrm>
+          <a:prstGeom prst="bentConnector2">
+            <a:avLst/>
+          </a:prstGeom>
+        </p:spPr>
+        <p:style>
+          <a:lnRef idx="3">
+            <a:schemeClr val="dk1"/>
+          </a:lnRef>
+          <a:fillRef idx="0">
+            <a:schemeClr val="dk1"/>
+          </a:fillRef>
+          <a:effectRef idx="2">
+            <a:schemeClr val="dk1"/>
+          </a:effectRef>
+          <a:fontRef idx="minor">
+            <a:schemeClr val="tx1"/>
+          </a:fontRef>
+        </p:style>
+      </p:cxnSp>
+      <p:sp>
+        <p:nvSpPr>
+          <p:cNvPr id="109" name="椭圆 108">
+            <a:extLst>
+              <a:ext uri="{FF2B5EF4-FFF2-40B4-BE49-F238E27FC236}">
+                <a16:creationId xmlns:a16="http://schemas.microsoft.com/office/drawing/2014/main" id="{B606812C-86BF-4AAD-BA1A-4DD5C1379A33}"/>
+              </a:ext>
+            </a:extLst>
+          </p:cNvPr>
+          <p:cNvSpPr/>
+          <p:nvPr/>
+        </p:nvSpPr>
+        <p:spPr>
+          <a:xfrm>
+            <a:off x="10782083" y="2"/>
+            <a:ext cx="807826" cy="780272"/>
+          </a:xfrm>
+          <a:prstGeom prst="ellipse">
+            <a:avLst/>
+          </a:prstGeom>
+          <a:solidFill>
+            <a:schemeClr val="accent4">
+              <a:alpha val="50000"/>
+            </a:schemeClr>
+          </a:solidFill>
+          <a:ln>
+            <a:noFill/>
+          </a:ln>
+        </p:spPr>
+        <p:style>
+          <a:lnRef idx="0">
+            <a:scrgbClr r="0" g="0" b="0"/>
+          </a:lnRef>
+          <a:fillRef idx="0">
+            <a:scrgbClr r="0" g="0" b="0"/>
+          </a:fillRef>
+          <a:effectRef idx="0">
+            <a:scrgbClr r="0" g="0" b="0"/>
+          </a:effectRef>
+          <a:fontRef idx="minor">
+            <a:schemeClr val="lt1"/>
+          </a:fontRef>
+        </p:style>
+        <p:txBody>
+          <a:bodyPr rtlCol="0" anchor="ctr"/>
+          <a:lstStyle/>
+          <a:p>
+            <a:pPr algn="ctr"/>
+            <a:endParaRPr lang="zh-CN" altLang="en-US"/>
+          </a:p>
+        </p:txBody>
+      </p:sp>
+      <p:sp>
+        <p:nvSpPr>
+          <p:cNvPr id="110" name="矩形 109">
+            <a:extLst>
+              <a:ext uri="{FF2B5EF4-FFF2-40B4-BE49-F238E27FC236}">
+                <a16:creationId xmlns:a16="http://schemas.microsoft.com/office/drawing/2014/main" id="{64A0DCA0-B9D7-4F90-95B4-0F85AFB22BAC}"/>
+              </a:ext>
+            </a:extLst>
+          </p:cNvPr>
+          <p:cNvSpPr/>
+          <p:nvPr/>
+        </p:nvSpPr>
+        <p:spPr>
+          <a:xfrm>
+            <a:off x="9054377" y="1146205"/>
+            <a:ext cx="850688" cy="798636"/>
+          </a:xfrm>
+          <a:prstGeom prst="rect">
+            <a:avLst/>
+          </a:prstGeom>
+        </p:spPr>
+        <p:style>
+          <a:lnRef idx="2">
+            <a:schemeClr val="accent6"/>
+          </a:lnRef>
+          <a:fillRef idx="1">
+            <a:schemeClr val="lt1"/>
+          </a:fillRef>
+          <a:effectRef idx="0">
+            <a:schemeClr val="accent6"/>
+          </a:effectRef>
+          <a:fontRef idx="minor">
+            <a:schemeClr val="dk1"/>
+          </a:fontRef>
+        </p:style>
+        <p:txBody>
+          <a:bodyPr rtlCol="0" anchor="ctr"/>
+          <a:lstStyle/>
+          <a:p>
+            <a:pPr algn="ctr"/>
+            <a:r>
+              <a:rPr lang="zh-CN" altLang="en-US" sz="2400" dirty="0"/>
+              <a:t>返回菜单</a:t>
+            </a:r>
+          </a:p>
+        </p:txBody>
+      </p:sp>
+      <p:cxnSp>
+        <p:nvCxnSpPr>
+          <p:cNvPr id="111" name="连接符: 肘形 110">
+            <a:extLst>
+              <a:ext uri="{FF2B5EF4-FFF2-40B4-BE49-F238E27FC236}">
+                <a16:creationId xmlns:a16="http://schemas.microsoft.com/office/drawing/2014/main" id="{CD285031-BC89-44DF-AD5F-A61DB98C9509}"/>
+              </a:ext>
+            </a:extLst>
+          </p:cNvPr>
+          <p:cNvCxnSpPr>
+            <a:cxnSpLocks/>
+            <a:stCxn id="109" idx="3"/>
+            <a:endCxn id="110" idx="3"/>
+          </p:cNvCxnSpPr>
+          <p:nvPr/>
+        </p:nvCxnSpPr>
+        <p:spPr>
+          <a:xfrm rot="5400000">
+            <a:off x="9962968" y="608104"/>
+            <a:ext cx="879517" cy="995321"/>
+          </a:xfrm>
+          <a:prstGeom prst="bentConnector2">
+            <a:avLst/>
+          </a:prstGeom>
+        </p:spPr>
+        <p:style>
+          <a:lnRef idx="3">
+            <a:schemeClr val="dk1"/>
+          </a:lnRef>
+          <a:fillRef idx="0">
+            <a:schemeClr val="dk1"/>
+          </a:fillRef>
+          <a:effectRef idx="2">
+            <a:schemeClr val="dk1"/>
+          </a:effectRef>
+          <a:fontRef idx="minor">
+            <a:schemeClr val="tx1"/>
+          </a:fontRef>
+        </p:style>
+      </p:cxnSp>
+    </p:spTree>
+    <p:extLst>
+      <p:ext uri="{BB962C8B-B14F-4D97-AF65-F5344CB8AC3E}">
+        <p14:creationId xmlns:p14="http://schemas.microsoft.com/office/powerpoint/2010/main" val="180360242"/>
+      </p:ext>
+    </p:extLst>
+  </p:cSld>
+  <p:clrMapOvr>
+    <a:masterClrMapping/>
+  </p:clrMapOvr>
+</p:sld>
+</file>
+
+<file path=ppt/slides/slide7.xml><?xml version="1.0" encoding="utf-8"?>
+<p:sld xmlns:a="http://schemas.openxmlformats.org/drawingml/2006/main" xmlns:r="http://schemas.openxmlformats.org/officeDocument/2006/relationships" xmlns:p="http://schemas.openxmlformats.org/presentationml/2006/main">
+  <p:cSld>
+    <p:spTree>
+      <p:nvGrpSpPr>
+        <p:cNvPr id="1" name=""/>
+        <p:cNvGrpSpPr/>
+        <p:nvPr/>
+      </p:nvGrpSpPr>
+      <p:grpSpPr>
+        <a:xfrm>
+          <a:off x="0" y="0"/>
+          <a:ext cx="0" cy="0"/>
+          <a:chOff x="0" y="0"/>
+          <a:chExt cx="0" cy="0"/>
+        </a:xfrm>
+      </p:grpSpPr>
+      <p:sp>
+        <p:nvSpPr>
+          <p:cNvPr id="2" name="流程图: 文档 1">
+            <a:extLst>
+              <a:ext uri="{FF2B5EF4-FFF2-40B4-BE49-F238E27FC236}">
+                <a16:creationId xmlns:a16="http://schemas.microsoft.com/office/drawing/2014/main" id="{E7F3B460-7E03-45E9-B468-FABC6096DA22}"/>
+              </a:ext>
+            </a:extLst>
+          </p:cNvPr>
+          <p:cNvSpPr/>
+          <p:nvPr/>
+        </p:nvSpPr>
+        <p:spPr>
+          <a:xfrm>
+            <a:off x="204280" y="204281"/>
+            <a:ext cx="1118681" cy="1079770"/>
+          </a:xfrm>
+          <a:prstGeom prst="flowChartDocument">
+            <a:avLst/>
+          </a:prstGeom>
+          <a:gradFill flip="none" rotWithShape="1">
+            <a:gsLst>
+              <a:gs pos="0">
+                <a:schemeClr val="accent5">
+                  <a:lumMod val="67000"/>
+                </a:schemeClr>
+              </a:gs>
+              <a:gs pos="48000">
+                <a:schemeClr val="accent5">
+                  <a:lumMod val="97000"/>
+                  <a:lumOff val="3000"/>
+                </a:schemeClr>
+              </a:gs>
+              <a:gs pos="100000">
+                <a:schemeClr val="accent5">
+                  <a:lumMod val="60000"/>
+                  <a:lumOff val="40000"/>
+                </a:schemeClr>
+              </a:gs>
+            </a:gsLst>
+            <a:lin ang="16200000" scaled="1"/>
+            <a:tileRect/>
+          </a:gradFill>
+          <a:ln>
+            <a:noFill/>
+          </a:ln>
+        </p:spPr>
+        <p:style>
+          <a:lnRef idx="0">
+            <a:scrgbClr r="0" g="0" b="0"/>
+          </a:lnRef>
+          <a:fillRef idx="0">
+            <a:scrgbClr r="0" g="0" b="0"/>
+          </a:fillRef>
+          <a:effectRef idx="0">
+            <a:scrgbClr r="0" g="0" b="0"/>
+          </a:effectRef>
+          <a:fontRef idx="minor">
+            <a:schemeClr val="lt1"/>
+          </a:fontRef>
+        </p:style>
+        <p:txBody>
+          <a:bodyPr rtlCol="0" anchor="ctr"/>
+          <a:lstStyle/>
+          <a:p>
+            <a:pPr algn="ctr"/>
+            <a:r>
+              <a:rPr lang="zh-CN" altLang="en-US" sz="2600" dirty="0"/>
+              <a:t>游戏设计</a:t>
+            </a:r>
+          </a:p>
+        </p:txBody>
+      </p:sp>
+      <p:sp>
+        <p:nvSpPr>
+          <p:cNvPr id="3" name="箭头: 右 2">
+            <a:extLst>
+              <a:ext uri="{FF2B5EF4-FFF2-40B4-BE49-F238E27FC236}">
+                <a16:creationId xmlns:a16="http://schemas.microsoft.com/office/drawing/2014/main" id="{46708B45-DC21-4180-AD40-EB6F5739F4F7}"/>
+              </a:ext>
+            </a:extLst>
+          </p:cNvPr>
+          <p:cNvSpPr/>
+          <p:nvPr/>
+        </p:nvSpPr>
+        <p:spPr>
+          <a:xfrm>
+            <a:off x="1937132" y="204281"/>
+            <a:ext cx="9173184" cy="890081"/>
+          </a:xfrm>
+          <a:prstGeom prst="rightArrow">
+            <a:avLst/>
+          </a:prstGeom>
+        </p:spPr>
+        <p:style>
+          <a:lnRef idx="2">
+            <a:schemeClr val="accent2"/>
+          </a:lnRef>
+          <a:fillRef idx="1">
+            <a:schemeClr val="lt1"/>
+          </a:fillRef>
+          <a:effectRef idx="0">
+            <a:schemeClr val="accent2"/>
+          </a:effectRef>
+          <a:fontRef idx="minor">
+            <a:schemeClr val="dk1"/>
+          </a:fontRef>
+        </p:style>
+        <p:txBody>
+          <a:bodyPr rtlCol="0" anchor="ctr"/>
+          <a:lstStyle/>
+          <a:p>
+            <a:pPr algn="ctr"/>
+            <a:r>
+              <a:rPr lang="zh-CN" altLang="en-US" sz="2400" dirty="0">
+                <a:solidFill>
+                  <a:srgbClr val="C00000"/>
+                </a:solidFill>
+                <a:latin typeface="微软雅黑" panose="020B0503020204020204" pitchFamily="34" charset="-122"/>
+                <a:ea typeface="微软雅黑" panose="020B0503020204020204" pitchFamily="34" charset="-122"/>
+              </a:rPr>
+              <a:t>用户分析</a:t>
+            </a:r>
+          </a:p>
+        </p:txBody>
+      </p:sp>
+      <p:sp>
+        <p:nvSpPr>
+          <p:cNvPr id="5" name="矩形 4">
+            <a:extLst>
+              <a:ext uri="{FF2B5EF4-FFF2-40B4-BE49-F238E27FC236}">
+                <a16:creationId xmlns:a16="http://schemas.microsoft.com/office/drawing/2014/main" id="{95F3BD18-EB9A-4E30-A2A1-A15C70ED03B5}"/>
+              </a:ext>
+            </a:extLst>
+          </p:cNvPr>
+          <p:cNvSpPr/>
+          <p:nvPr/>
+        </p:nvSpPr>
+        <p:spPr>
+          <a:xfrm>
+            <a:off x="6410131" y="2020077"/>
+            <a:ext cx="4292855" cy="919066"/>
+          </a:xfrm>
+          <a:prstGeom prst="rect">
+            <a:avLst/>
+          </a:prstGeom>
+        </p:spPr>
+        <p:style>
+          <a:lnRef idx="2">
+            <a:schemeClr val="accent5"/>
+          </a:lnRef>
+          <a:fillRef idx="1">
+            <a:schemeClr val="lt1"/>
+          </a:fillRef>
+          <a:effectRef idx="0">
+            <a:schemeClr val="accent5"/>
+          </a:effectRef>
+          <a:fontRef idx="minor">
+            <a:schemeClr val="dk1"/>
+          </a:fontRef>
+        </p:style>
+        <p:txBody>
+          <a:bodyPr rot="0" spcFirstLastPara="0" vertOverflow="overflow" horzOverflow="overflow" vert="horz" wrap="square" lIns="91440" tIns="45720" rIns="91440" bIns="45720" numCol="1" spcCol="0" rtlCol="0" fromWordArt="0" anchor="ctr" anchorCtr="0" forceAA="0" compatLnSpc="1">
+            <a:prstTxWarp prst="textNoShape">
+              <a:avLst/>
+            </a:prstTxWarp>
+            <a:noAutofit/>
+          </a:bodyPr>
+          <a:lstStyle/>
+          <a:p>
+            <a:pPr algn="ctr"/>
+            <a:r>
+              <a:rPr lang="zh-CN" altLang="en-US" sz="2400" dirty="0">
+                <a:ln w="0"/>
+                <a:solidFill>
+                  <a:schemeClr val="tx1"/>
+                </a:solidFill>
+                <a:effectLst>
+                  <a:outerShdw blurRad="38100" dist="19050" dir="2700000" algn="tl" rotWithShape="0">
+                    <a:schemeClr val="dk1">
+                      <a:alpha val="40000"/>
+                    </a:schemeClr>
+                  </a:outerShdw>
+                </a:effectLst>
+              </a:rPr>
+              <a:t>具有很多零散时间的人</a:t>
+            </a:r>
+            <a:endParaRPr lang="en-US" altLang="zh-CN" sz="2400" dirty="0">
+              <a:ln w="0"/>
+              <a:solidFill>
+                <a:schemeClr val="tx1"/>
+              </a:solidFill>
+              <a:effectLst>
+                <a:outerShdw blurRad="38100" dist="19050" dir="2700000" algn="tl" rotWithShape="0">
+                  <a:schemeClr val="dk1">
+                    <a:alpha val="40000"/>
+                  </a:schemeClr>
+                </a:outerShdw>
+              </a:effectLst>
+            </a:endParaRPr>
+          </a:p>
+          <a:p>
+            <a:pPr algn="ctr"/>
+            <a:r>
+              <a:rPr lang="zh-CN" altLang="en-US" sz="2400" dirty="0">
+                <a:ln w="0"/>
+                <a:solidFill>
+                  <a:schemeClr val="tx1"/>
+                </a:solidFill>
+                <a:effectLst>
+                  <a:outerShdw blurRad="38100" dist="19050" dir="2700000" algn="tl" rotWithShape="0">
+                    <a:schemeClr val="dk1">
+                      <a:alpha val="40000"/>
+                    </a:schemeClr>
+                  </a:outerShdw>
+                </a:effectLst>
+              </a:rPr>
+              <a:t>偏向女性用户</a:t>
+            </a:r>
+          </a:p>
+        </p:txBody>
+      </p:sp>
+      <p:sp>
+        <p:nvSpPr>
+          <p:cNvPr id="6" name="椭圆 5">
+            <a:extLst>
+              <a:ext uri="{FF2B5EF4-FFF2-40B4-BE49-F238E27FC236}">
+                <a16:creationId xmlns:a16="http://schemas.microsoft.com/office/drawing/2014/main" id="{73207691-7155-4B7D-B01A-320BCB7FE691}"/>
+              </a:ext>
+            </a:extLst>
+          </p:cNvPr>
+          <p:cNvSpPr/>
+          <p:nvPr/>
+        </p:nvSpPr>
+        <p:spPr>
+          <a:xfrm>
+            <a:off x="1212980" y="1623526"/>
+            <a:ext cx="2845836" cy="1716833"/>
+          </a:xfrm>
+          <a:prstGeom prst="ellipse">
+            <a:avLst/>
+          </a:prstGeom>
+        </p:spPr>
+        <p:style>
+          <a:lnRef idx="2">
+            <a:schemeClr val="accent5"/>
+          </a:lnRef>
+          <a:fillRef idx="1">
+            <a:schemeClr val="lt1"/>
+          </a:fillRef>
+          <a:effectRef idx="0">
+            <a:schemeClr val="accent5"/>
+          </a:effectRef>
+          <a:fontRef idx="minor">
+            <a:schemeClr val="dk1"/>
+          </a:fontRef>
+        </p:style>
+        <p:txBody>
+          <a:bodyPr rot="0" spcFirstLastPara="0" vertOverflow="overflow" horzOverflow="overflow" vert="horz" wrap="square" lIns="91440" tIns="45720" rIns="91440" bIns="45720" numCol="1" spcCol="0" rtlCol="0" fromWordArt="0" anchor="ctr" anchorCtr="0" forceAA="0" compatLnSpc="1">
+            <a:prstTxWarp prst="textNoShape">
+              <a:avLst/>
+            </a:prstTxWarp>
+            <a:noAutofit/>
+          </a:bodyPr>
+          <a:lstStyle/>
+          <a:p>
+            <a:pPr algn="ctr"/>
+            <a:r>
+              <a:rPr lang="zh-CN" altLang="en-US" sz="2800" dirty="0">
+                <a:ln w="0"/>
+                <a:solidFill>
+                  <a:schemeClr val="tx1"/>
+                </a:solidFill>
+                <a:effectLst>
+                  <a:outerShdw blurRad="38100" dist="19050" dir="2700000" algn="tl" rotWithShape="0">
+                    <a:schemeClr val="dk1">
+                      <a:alpha val="40000"/>
+                    </a:schemeClr>
+                  </a:outerShdw>
+                </a:effectLst>
+              </a:rPr>
+              <a:t>目标用户群</a:t>
+            </a:r>
+          </a:p>
+        </p:txBody>
+      </p:sp>
+      <p:cxnSp>
+        <p:nvCxnSpPr>
+          <p:cNvPr id="14" name="连接符: 肘形 13">
+            <a:extLst>
+              <a:ext uri="{FF2B5EF4-FFF2-40B4-BE49-F238E27FC236}">
+                <a16:creationId xmlns:a16="http://schemas.microsoft.com/office/drawing/2014/main" id="{2D111E0B-E0BB-4C26-B5FA-8B545B5841E3}"/>
+              </a:ext>
+            </a:extLst>
+          </p:cNvPr>
+          <p:cNvCxnSpPr>
+            <a:cxnSpLocks/>
+            <a:stCxn id="6" idx="6"/>
+            <a:endCxn id="5" idx="1"/>
+          </p:cNvCxnSpPr>
+          <p:nvPr/>
+        </p:nvCxnSpPr>
+        <p:spPr>
+          <a:xfrm flipV="1">
+            <a:off x="4058816" y="2479610"/>
+            <a:ext cx="2351315" cy="2333"/>
+          </a:xfrm>
+          <a:prstGeom prst="bentConnector3">
+            <a:avLst/>
+          </a:prstGeom>
+        </p:spPr>
+        <p:style>
+          <a:lnRef idx="2">
+            <a:schemeClr val="accent5"/>
+          </a:lnRef>
+          <a:fillRef idx="1">
+            <a:schemeClr val="lt1"/>
+          </a:fillRef>
+          <a:effectRef idx="0">
+            <a:schemeClr val="accent5"/>
+          </a:effectRef>
+          <a:fontRef idx="minor">
+            <a:schemeClr val="dk1"/>
+          </a:fontRef>
+        </p:style>
+      </p:cxnSp>
+      <p:sp>
+        <p:nvSpPr>
+          <p:cNvPr id="19" name="矩形 18">
+            <a:extLst>
+              <a:ext uri="{FF2B5EF4-FFF2-40B4-BE49-F238E27FC236}">
+                <a16:creationId xmlns:a16="http://schemas.microsoft.com/office/drawing/2014/main" id="{C3160AD5-C545-495A-A045-1AB4A1DA507D}"/>
+              </a:ext>
+            </a:extLst>
+          </p:cNvPr>
+          <p:cNvSpPr/>
+          <p:nvPr/>
+        </p:nvSpPr>
+        <p:spPr>
+          <a:xfrm>
+            <a:off x="6410131" y="4076385"/>
+            <a:ext cx="4292855" cy="919066"/>
+          </a:xfrm>
+          <a:prstGeom prst="rect">
+            <a:avLst/>
+          </a:prstGeom>
+        </p:spPr>
+        <p:style>
+          <a:lnRef idx="2">
+            <a:schemeClr val="accent5"/>
+          </a:lnRef>
+          <a:fillRef idx="1">
+            <a:schemeClr val="lt1"/>
+          </a:fillRef>
+          <a:effectRef idx="0">
+            <a:schemeClr val="accent5"/>
+          </a:effectRef>
+          <a:fontRef idx="minor">
+            <a:schemeClr val="dk1"/>
+          </a:fontRef>
+        </p:style>
+        <p:txBody>
+          <a:bodyPr rot="0" spcFirstLastPara="0" vertOverflow="overflow" horzOverflow="overflow" vert="horz" wrap="square" lIns="91440" tIns="45720" rIns="91440" bIns="45720" numCol="1" spcCol="0" rtlCol="0" fromWordArt="0" anchor="ctr" anchorCtr="0" forceAA="0" compatLnSpc="1">
+            <a:prstTxWarp prst="textNoShape">
+              <a:avLst/>
+            </a:prstTxWarp>
+            <a:noAutofit/>
+          </a:bodyPr>
+          <a:lstStyle/>
+          <a:p>
+            <a:pPr algn="ctr"/>
+            <a:r>
+              <a:rPr lang="zh-CN" altLang="en-US" sz="2400" dirty="0">
+                <a:ln w="0"/>
+                <a:solidFill>
+                  <a:schemeClr val="tx1"/>
+                </a:solidFill>
+                <a:effectLst>
+                  <a:outerShdw blurRad="38100" dist="19050" dir="2700000" algn="tl" rotWithShape="0">
+                    <a:schemeClr val="dk1">
+                      <a:alpha val="40000"/>
+                    </a:schemeClr>
+                  </a:outerShdw>
+                </a:effectLst>
+              </a:rPr>
+              <a:t>杨枨老师</a:t>
+            </a:r>
+          </a:p>
+        </p:txBody>
+      </p:sp>
+      <p:sp>
+        <p:nvSpPr>
+          <p:cNvPr id="20" name="椭圆 19">
+            <a:extLst>
+              <a:ext uri="{FF2B5EF4-FFF2-40B4-BE49-F238E27FC236}">
+                <a16:creationId xmlns:a16="http://schemas.microsoft.com/office/drawing/2014/main" id="{498BB8CC-5995-4EF2-9FE4-A42469F9EDD9}"/>
+              </a:ext>
+            </a:extLst>
+          </p:cNvPr>
+          <p:cNvSpPr/>
+          <p:nvPr/>
+        </p:nvSpPr>
+        <p:spPr>
+          <a:xfrm>
+            <a:off x="1212980" y="3679834"/>
+            <a:ext cx="2845836" cy="1716833"/>
+          </a:xfrm>
+          <a:prstGeom prst="ellipse">
+            <a:avLst/>
+          </a:prstGeom>
+        </p:spPr>
+        <p:style>
+          <a:lnRef idx="2">
+            <a:schemeClr val="accent5"/>
+          </a:lnRef>
+          <a:fillRef idx="1">
+            <a:schemeClr val="lt1"/>
+          </a:fillRef>
+          <a:effectRef idx="0">
+            <a:schemeClr val="accent5"/>
+          </a:effectRef>
+          <a:fontRef idx="minor">
+            <a:schemeClr val="dk1"/>
+          </a:fontRef>
+        </p:style>
+        <p:txBody>
+          <a:bodyPr rot="0" spcFirstLastPara="0" vertOverflow="overflow" horzOverflow="overflow" vert="horz" wrap="square" lIns="91440" tIns="45720" rIns="91440" bIns="45720" numCol="1" spcCol="0" rtlCol="0" fromWordArt="0" anchor="ctr" anchorCtr="0" forceAA="0" compatLnSpc="1">
+            <a:prstTxWarp prst="textNoShape">
+              <a:avLst/>
+            </a:prstTxWarp>
+            <a:noAutofit/>
+          </a:bodyPr>
+          <a:lstStyle/>
+          <a:p>
+            <a:pPr algn="ctr"/>
+            <a:r>
+              <a:rPr lang="zh-CN" altLang="en-US" sz="2800" dirty="0">
+                <a:ln w="0"/>
+                <a:solidFill>
+                  <a:schemeClr val="tx1"/>
+                </a:solidFill>
+                <a:effectLst>
+                  <a:outerShdw blurRad="38100" dist="19050" dir="2700000" algn="tl" rotWithShape="0">
+                    <a:schemeClr val="dk1">
+                      <a:alpha val="40000"/>
+                    </a:schemeClr>
+                  </a:outerShdw>
+                </a:effectLst>
+              </a:rPr>
+              <a:t>用户代表</a:t>
+            </a:r>
+          </a:p>
+        </p:txBody>
+      </p:sp>
+      <p:cxnSp>
+        <p:nvCxnSpPr>
+          <p:cNvPr id="21" name="连接符: 肘形 20">
+            <a:extLst>
+              <a:ext uri="{FF2B5EF4-FFF2-40B4-BE49-F238E27FC236}">
+                <a16:creationId xmlns:a16="http://schemas.microsoft.com/office/drawing/2014/main" id="{A6334223-D48D-4960-A276-193B74B4A851}"/>
+              </a:ext>
+            </a:extLst>
+          </p:cNvPr>
+          <p:cNvCxnSpPr>
+            <a:cxnSpLocks/>
+            <a:stCxn id="20" idx="6"/>
+            <a:endCxn id="19" idx="1"/>
+          </p:cNvCxnSpPr>
+          <p:nvPr/>
+        </p:nvCxnSpPr>
+        <p:spPr>
+          <a:xfrm flipV="1">
+            <a:off x="4058816" y="4535918"/>
+            <a:ext cx="2351315" cy="2333"/>
+          </a:xfrm>
+          <a:prstGeom prst="bentConnector3">
+            <a:avLst/>
+          </a:prstGeom>
+        </p:spPr>
+        <p:style>
+          <a:lnRef idx="2">
+            <a:schemeClr val="accent5"/>
+          </a:lnRef>
+          <a:fillRef idx="1">
+            <a:schemeClr val="lt1"/>
+          </a:fillRef>
+          <a:effectRef idx="0">
+            <a:schemeClr val="accent5"/>
+          </a:effectRef>
+          <a:fontRef idx="minor">
+            <a:schemeClr val="dk1"/>
+          </a:fontRef>
+        </p:style>
+      </p:cxnSp>
+    </p:spTree>
+    <p:extLst>
+      <p:ext uri="{BB962C8B-B14F-4D97-AF65-F5344CB8AC3E}">
+        <p14:creationId xmlns:p14="http://schemas.microsoft.com/office/powerpoint/2010/main" val="2346716398"/>
+      </p:ext>
+    </p:extLst>
+  </p:cSld>
+  <p:clrMapOvr>
+    <a:masterClrMapping/>
+  </p:clrMapOvr>
+</p:sld>
+</file>
+
+<file path=ppt/slides/slide8.xml><?xml version="1.0" encoding="utf-8"?>
+<p:sld xmlns:a="http://schemas.openxmlformats.org/drawingml/2006/main" xmlns:r="http://schemas.openxmlformats.org/officeDocument/2006/relationships" xmlns:p="http://schemas.openxmlformats.org/presentationml/2006/main">
+  <p:cSld>
     <p:spTree>
       <p:nvGrpSpPr>
         <p:cNvPr id="1" name=""/>
@@ -38431,7 +41974,7 @@
 </p:sld>
 </file>
 
-<file path=ppt/slides/slide5.xml><?xml version="1.0" encoding="utf-8"?>
+<file path=ppt/slides/slide9.xml><?xml version="1.0" encoding="utf-8"?>
 <p:sld xmlns:a="http://schemas.openxmlformats.org/drawingml/2006/main" xmlns:r="http://schemas.openxmlformats.org/officeDocument/2006/relationships" xmlns:p="http://schemas.openxmlformats.org/presentationml/2006/main">
   <p:cSld>
     <p:spTree>
@@ -38606,692 +42149,6 @@
     <p:extLst>
       <p:ext uri="{BB962C8B-B14F-4D97-AF65-F5344CB8AC3E}">
         <p14:creationId xmlns:p14="http://schemas.microsoft.com/office/powerpoint/2010/main" val="1027585439"/>
-      </p:ext>
-    </p:extLst>
-  </p:cSld>
-  <p:clrMapOvr>
-    <a:masterClrMapping/>
-  </p:clrMapOvr>
-</p:sld>
-</file>
-
-<file path=ppt/slides/slide6.xml><?xml version="1.0" encoding="utf-8"?>
-<p:sld xmlns:a="http://schemas.openxmlformats.org/drawingml/2006/main" xmlns:r="http://schemas.openxmlformats.org/officeDocument/2006/relationships" xmlns:p="http://schemas.openxmlformats.org/presentationml/2006/main">
-  <p:cSld>
-    <p:spTree>
-      <p:nvGrpSpPr>
-        <p:cNvPr id="1" name=""/>
-        <p:cNvGrpSpPr/>
-        <p:nvPr/>
-      </p:nvGrpSpPr>
-      <p:grpSpPr>
-        <a:xfrm>
-          <a:off x="0" y="0"/>
-          <a:ext cx="0" cy="0"/>
-          <a:chOff x="0" y="0"/>
-          <a:chExt cx="0" cy="0"/>
-        </a:xfrm>
-      </p:grpSpPr>
-      <p:sp>
-        <p:nvSpPr>
-          <p:cNvPr id="2" name="流程图: 文档 1">
-            <a:extLst>
-              <a:ext uri="{FF2B5EF4-FFF2-40B4-BE49-F238E27FC236}">
-                <a16:creationId xmlns:a16="http://schemas.microsoft.com/office/drawing/2014/main" id="{E7F3B460-7E03-45E9-B468-FABC6096DA22}"/>
-              </a:ext>
-            </a:extLst>
-          </p:cNvPr>
-          <p:cNvSpPr/>
-          <p:nvPr/>
-        </p:nvSpPr>
-        <p:spPr>
-          <a:xfrm>
-            <a:off x="204280" y="204281"/>
-            <a:ext cx="1118681" cy="1079770"/>
-          </a:xfrm>
-          <a:prstGeom prst="flowChartDocument">
-            <a:avLst/>
-          </a:prstGeom>
-          <a:gradFill flip="none" rotWithShape="1">
-            <a:gsLst>
-              <a:gs pos="0">
-                <a:schemeClr val="accent5">
-                  <a:lumMod val="67000"/>
-                </a:schemeClr>
-              </a:gs>
-              <a:gs pos="48000">
-                <a:schemeClr val="accent5">
-                  <a:lumMod val="97000"/>
-                  <a:lumOff val="3000"/>
-                </a:schemeClr>
-              </a:gs>
-              <a:gs pos="100000">
-                <a:schemeClr val="accent5">
-                  <a:lumMod val="60000"/>
-                  <a:lumOff val="40000"/>
-                </a:schemeClr>
-              </a:gs>
-            </a:gsLst>
-            <a:lin ang="16200000" scaled="1"/>
-            <a:tileRect/>
-          </a:gradFill>
-          <a:ln>
-            <a:noFill/>
-          </a:ln>
-        </p:spPr>
-        <p:style>
-          <a:lnRef idx="0">
-            <a:scrgbClr r="0" g="0" b="0"/>
-          </a:lnRef>
-          <a:fillRef idx="0">
-            <a:scrgbClr r="0" g="0" b="0"/>
-          </a:fillRef>
-          <a:effectRef idx="0">
-            <a:scrgbClr r="0" g="0" b="0"/>
-          </a:effectRef>
-          <a:fontRef idx="minor">
-            <a:schemeClr val="lt1"/>
-          </a:fontRef>
-        </p:style>
-        <p:txBody>
-          <a:bodyPr rtlCol="0" anchor="ctr"/>
-          <a:lstStyle/>
-          <a:p>
-            <a:pPr algn="ctr"/>
-            <a:r>
-              <a:rPr lang="zh-CN" altLang="en-US" sz="2600" dirty="0"/>
-              <a:t>游戏设计</a:t>
-            </a:r>
-          </a:p>
-        </p:txBody>
-      </p:sp>
-      <p:sp>
-        <p:nvSpPr>
-          <p:cNvPr id="5" name="箭头: 右 4">
-            <a:extLst>
-              <a:ext uri="{FF2B5EF4-FFF2-40B4-BE49-F238E27FC236}">
-                <a16:creationId xmlns:a16="http://schemas.microsoft.com/office/drawing/2014/main" id="{1F1594AC-E28F-4B7C-AA47-DB6352E056D5}"/>
-              </a:ext>
-            </a:extLst>
-          </p:cNvPr>
-          <p:cNvSpPr/>
-          <p:nvPr/>
-        </p:nvSpPr>
-        <p:spPr>
-          <a:xfrm>
-            <a:off x="1937132" y="204281"/>
-            <a:ext cx="9173184" cy="890081"/>
-          </a:xfrm>
-          <a:prstGeom prst="rightArrow">
-            <a:avLst/>
-          </a:prstGeom>
-        </p:spPr>
-        <p:style>
-          <a:lnRef idx="2">
-            <a:schemeClr val="accent2"/>
-          </a:lnRef>
-          <a:fillRef idx="1">
-            <a:schemeClr val="lt1"/>
-          </a:fillRef>
-          <a:effectRef idx="0">
-            <a:schemeClr val="accent2"/>
-          </a:effectRef>
-          <a:fontRef idx="minor">
-            <a:schemeClr val="dk1"/>
-          </a:fontRef>
-        </p:style>
-        <p:txBody>
-          <a:bodyPr rtlCol="0" anchor="ctr"/>
-          <a:lstStyle/>
-          <a:p>
-            <a:pPr algn="ctr"/>
-            <a:r>
-              <a:rPr lang="zh-CN" altLang="en-US" sz="2400" dirty="0">
-                <a:solidFill>
-                  <a:srgbClr val="C00000"/>
-                </a:solidFill>
-                <a:latin typeface="微软雅黑" panose="020B0503020204020204" pitchFamily="34" charset="-122"/>
-                <a:ea typeface="微软雅黑" panose="020B0503020204020204" pitchFamily="34" charset="-122"/>
-              </a:rPr>
-              <a:t>特殊设计</a:t>
-            </a:r>
-          </a:p>
-        </p:txBody>
-      </p:sp>
-      <p:graphicFrame>
-        <p:nvGraphicFramePr>
-          <p:cNvPr id="3" name="图示 2">
-            <a:extLst>
-              <a:ext uri="{FF2B5EF4-FFF2-40B4-BE49-F238E27FC236}">
-                <a16:creationId xmlns:a16="http://schemas.microsoft.com/office/drawing/2014/main" id="{B0CA91D9-216D-4E86-93CD-05A17C99D525}"/>
-              </a:ext>
-            </a:extLst>
-          </p:cNvPr>
-          <p:cNvGraphicFramePr/>
-          <p:nvPr>
-            <p:extLst>
-              <p:ext uri="{D42A27DB-BD31-4B8C-83A1-F6EECF244321}">
-                <p14:modId xmlns:p14="http://schemas.microsoft.com/office/powerpoint/2010/main" val="1073991639"/>
-              </p:ext>
-            </p:extLst>
-          </p:nvPr>
-        </p:nvGraphicFramePr>
-        <p:xfrm>
-          <a:off x="1782147" y="1101755"/>
-          <a:ext cx="9007497" cy="5388733"/>
-        </p:xfrm>
-        <a:graphic>
-          <a:graphicData uri="http://schemas.openxmlformats.org/drawingml/2006/diagram">
-            <dgm:relIds xmlns:dgm="http://schemas.openxmlformats.org/drawingml/2006/diagram" xmlns:r="http://schemas.openxmlformats.org/officeDocument/2006/relationships" r:dm="rId2" r:lo="rId3" r:qs="rId4" r:cs="rId5"/>
-          </a:graphicData>
-        </a:graphic>
-      </p:graphicFrame>
-    </p:spTree>
-    <p:extLst>
-      <p:ext uri="{BB962C8B-B14F-4D97-AF65-F5344CB8AC3E}">
-        <p14:creationId xmlns:p14="http://schemas.microsoft.com/office/powerpoint/2010/main" val="3148130803"/>
-      </p:ext>
-    </p:extLst>
-  </p:cSld>
-  <p:clrMapOvr>
-    <a:masterClrMapping/>
-  </p:clrMapOvr>
-</p:sld>
-</file>
-
-<file path=ppt/slides/slide7.xml><?xml version="1.0" encoding="utf-8"?>
-<p:sld xmlns:a="http://schemas.openxmlformats.org/drawingml/2006/main" xmlns:r="http://schemas.openxmlformats.org/officeDocument/2006/relationships" xmlns:p="http://schemas.openxmlformats.org/presentationml/2006/main">
-  <p:cSld>
-    <p:spTree>
-      <p:nvGrpSpPr>
-        <p:cNvPr id="1" name=""/>
-        <p:cNvGrpSpPr/>
-        <p:nvPr/>
-      </p:nvGrpSpPr>
-      <p:grpSpPr>
-        <a:xfrm>
-          <a:off x="0" y="0"/>
-          <a:ext cx="0" cy="0"/>
-          <a:chOff x="0" y="0"/>
-          <a:chExt cx="0" cy="0"/>
-        </a:xfrm>
-      </p:grpSpPr>
-      <p:sp>
-        <p:nvSpPr>
-          <p:cNvPr id="2" name="流程图: 文档 1">
-            <a:extLst>
-              <a:ext uri="{FF2B5EF4-FFF2-40B4-BE49-F238E27FC236}">
-                <a16:creationId xmlns:a16="http://schemas.microsoft.com/office/drawing/2014/main" id="{E7F3B460-7E03-45E9-B468-FABC6096DA22}"/>
-              </a:ext>
-            </a:extLst>
-          </p:cNvPr>
-          <p:cNvSpPr/>
-          <p:nvPr/>
-        </p:nvSpPr>
-        <p:spPr>
-          <a:xfrm>
-            <a:off x="204280" y="204281"/>
-            <a:ext cx="1118681" cy="1079770"/>
-          </a:xfrm>
-          <a:prstGeom prst="flowChartDocument">
-            <a:avLst/>
-          </a:prstGeom>
-          <a:gradFill flip="none" rotWithShape="1">
-            <a:gsLst>
-              <a:gs pos="0">
-                <a:schemeClr val="accent5">
-                  <a:lumMod val="67000"/>
-                </a:schemeClr>
-              </a:gs>
-              <a:gs pos="48000">
-                <a:schemeClr val="accent5">
-                  <a:lumMod val="97000"/>
-                  <a:lumOff val="3000"/>
-                </a:schemeClr>
-              </a:gs>
-              <a:gs pos="100000">
-                <a:schemeClr val="accent5">
-                  <a:lumMod val="60000"/>
-                  <a:lumOff val="40000"/>
-                </a:schemeClr>
-              </a:gs>
-            </a:gsLst>
-            <a:lin ang="16200000" scaled="1"/>
-            <a:tileRect/>
-          </a:gradFill>
-          <a:ln>
-            <a:noFill/>
-          </a:ln>
-        </p:spPr>
-        <p:style>
-          <a:lnRef idx="0">
-            <a:scrgbClr r="0" g="0" b="0"/>
-          </a:lnRef>
-          <a:fillRef idx="0">
-            <a:scrgbClr r="0" g="0" b="0"/>
-          </a:fillRef>
-          <a:effectRef idx="0">
-            <a:scrgbClr r="0" g="0" b="0"/>
-          </a:effectRef>
-          <a:fontRef idx="minor">
-            <a:schemeClr val="lt1"/>
-          </a:fontRef>
-        </p:style>
-        <p:txBody>
-          <a:bodyPr rtlCol="0" anchor="ctr"/>
-          <a:lstStyle/>
-          <a:p>
-            <a:pPr algn="ctr"/>
-            <a:r>
-              <a:rPr lang="zh-CN" altLang="en-US" sz="2600" dirty="0"/>
-              <a:t>框架设计</a:t>
-            </a:r>
-          </a:p>
-        </p:txBody>
-      </p:sp>
-      <p:sp>
-        <p:nvSpPr>
-          <p:cNvPr id="5" name="箭头: 右 4">
-            <a:extLst>
-              <a:ext uri="{FF2B5EF4-FFF2-40B4-BE49-F238E27FC236}">
-                <a16:creationId xmlns:a16="http://schemas.microsoft.com/office/drawing/2014/main" id="{1F1594AC-E28F-4B7C-AA47-DB6352E056D5}"/>
-              </a:ext>
-            </a:extLst>
-          </p:cNvPr>
-          <p:cNvSpPr/>
-          <p:nvPr/>
-        </p:nvSpPr>
-        <p:spPr>
-          <a:xfrm>
-            <a:off x="1937132" y="204281"/>
-            <a:ext cx="9173184" cy="890081"/>
-          </a:xfrm>
-          <a:prstGeom prst="rightArrow">
-            <a:avLst/>
-          </a:prstGeom>
-        </p:spPr>
-        <p:style>
-          <a:lnRef idx="2">
-            <a:schemeClr val="accent2"/>
-          </a:lnRef>
-          <a:fillRef idx="1">
-            <a:schemeClr val="lt1"/>
-          </a:fillRef>
-          <a:effectRef idx="0">
-            <a:schemeClr val="accent2"/>
-          </a:effectRef>
-          <a:fontRef idx="minor">
-            <a:schemeClr val="dk1"/>
-          </a:fontRef>
-        </p:style>
-        <p:txBody>
-          <a:bodyPr rtlCol="0" anchor="ctr"/>
-          <a:lstStyle/>
-          <a:p>
-            <a:pPr algn="ctr"/>
-            <a:r>
-              <a:rPr lang="zh-CN" altLang="en-US" sz="2400" dirty="0">
-                <a:solidFill>
-                  <a:srgbClr val="C00000"/>
-                </a:solidFill>
-                <a:latin typeface="微软雅黑" panose="020B0503020204020204" pitchFamily="34" charset="-122"/>
-                <a:ea typeface="微软雅黑" panose="020B0503020204020204" pitchFamily="34" charset="-122"/>
-              </a:rPr>
-              <a:t>功能模块</a:t>
-            </a:r>
-          </a:p>
-        </p:txBody>
-      </p:sp>
-      <p:graphicFrame>
-        <p:nvGraphicFramePr>
-          <p:cNvPr id="6" name="图示 5">
-            <a:extLst>
-              <a:ext uri="{FF2B5EF4-FFF2-40B4-BE49-F238E27FC236}">
-                <a16:creationId xmlns:a16="http://schemas.microsoft.com/office/drawing/2014/main" id="{FC526D19-6128-42FC-AC93-34CF1EF5E896}"/>
-              </a:ext>
-            </a:extLst>
-          </p:cNvPr>
-          <p:cNvGraphicFramePr/>
-          <p:nvPr>
-            <p:extLst>
-              <p:ext uri="{D42A27DB-BD31-4B8C-83A1-F6EECF244321}">
-                <p14:modId xmlns:p14="http://schemas.microsoft.com/office/powerpoint/2010/main" val="170233397"/>
-              </p:ext>
-            </p:extLst>
-          </p:nvPr>
-        </p:nvGraphicFramePr>
-        <p:xfrm>
-          <a:off x="2073189" y="1094362"/>
-          <a:ext cx="8128000" cy="5418667"/>
-        </p:xfrm>
-        <a:graphic>
-          <a:graphicData uri="http://schemas.openxmlformats.org/drawingml/2006/diagram">
-            <dgm:relIds xmlns:dgm="http://schemas.openxmlformats.org/drawingml/2006/diagram" xmlns:r="http://schemas.openxmlformats.org/officeDocument/2006/relationships" r:dm="rId2" r:lo="rId3" r:qs="rId4" r:cs="rId5"/>
-          </a:graphicData>
-        </a:graphic>
-      </p:graphicFrame>
-    </p:spTree>
-    <p:extLst>
-      <p:ext uri="{BB962C8B-B14F-4D97-AF65-F5344CB8AC3E}">
-        <p14:creationId xmlns:p14="http://schemas.microsoft.com/office/powerpoint/2010/main" val="3340662291"/>
-      </p:ext>
-    </p:extLst>
-  </p:cSld>
-  <p:clrMapOvr>
-    <a:masterClrMapping/>
-  </p:clrMapOvr>
-</p:sld>
-</file>
-
-<file path=ppt/slides/slide8.xml><?xml version="1.0" encoding="utf-8"?>
-<p:sld xmlns:a="http://schemas.openxmlformats.org/drawingml/2006/main" xmlns:r="http://schemas.openxmlformats.org/officeDocument/2006/relationships" xmlns:p="http://schemas.openxmlformats.org/presentationml/2006/main">
-  <p:cSld>
-    <p:spTree>
-      <p:nvGrpSpPr>
-        <p:cNvPr id="1" name=""/>
-        <p:cNvGrpSpPr/>
-        <p:nvPr/>
-      </p:nvGrpSpPr>
-      <p:grpSpPr>
-        <a:xfrm>
-          <a:off x="0" y="0"/>
-          <a:ext cx="0" cy="0"/>
-          <a:chOff x="0" y="0"/>
-          <a:chExt cx="0" cy="0"/>
-        </a:xfrm>
-      </p:grpSpPr>
-      <p:pic>
-        <p:nvPicPr>
-          <p:cNvPr id="14" name="图片 13">
-            <a:extLst>
-              <a:ext uri="{FF2B5EF4-FFF2-40B4-BE49-F238E27FC236}">
-                <a16:creationId xmlns:a16="http://schemas.microsoft.com/office/drawing/2014/main" id="{603F457C-4D2A-4427-BF02-54CCBA25E980}"/>
-              </a:ext>
-            </a:extLst>
-          </p:cNvPr>
-          <p:cNvPicPr>
-            <a:picLocks noChangeAspect="1"/>
-          </p:cNvPicPr>
-          <p:nvPr/>
-        </p:nvPicPr>
-        <p:blipFill>
-          <a:blip r:embed="rId2"/>
-          <a:stretch>
-            <a:fillRect/>
-          </a:stretch>
-        </p:blipFill>
-        <p:spPr>
-          <a:xfrm>
-            <a:off x="1638300" y="571500"/>
-            <a:ext cx="8915400" cy="5715000"/>
-          </a:xfrm>
-          <a:prstGeom prst="rect">
-            <a:avLst/>
-          </a:prstGeom>
-        </p:spPr>
-      </p:pic>
-      <p:sp>
-        <p:nvSpPr>
-          <p:cNvPr id="15" name="流程图: 文档 14">
-            <a:hlinkClick r:id="" action="ppaction://noaction"/>
-            <a:extLst>
-              <a:ext uri="{FF2B5EF4-FFF2-40B4-BE49-F238E27FC236}">
-                <a16:creationId xmlns:a16="http://schemas.microsoft.com/office/drawing/2014/main" id="{D3929DEE-8DE0-45B1-84B4-CBA71869BB4E}"/>
-              </a:ext>
-            </a:extLst>
-          </p:cNvPr>
-          <p:cNvSpPr/>
-          <p:nvPr/>
-        </p:nvSpPr>
-        <p:spPr>
-          <a:xfrm>
-            <a:off x="204280" y="204281"/>
-            <a:ext cx="1118681" cy="1079770"/>
-          </a:xfrm>
-          <a:prstGeom prst="flowChartDocument">
-            <a:avLst/>
-          </a:prstGeom>
-          <a:gradFill flip="none" rotWithShape="1">
-            <a:gsLst>
-              <a:gs pos="0">
-                <a:schemeClr val="accent5">
-                  <a:lumMod val="67000"/>
-                </a:schemeClr>
-              </a:gs>
-              <a:gs pos="48000">
-                <a:schemeClr val="accent5">
-                  <a:lumMod val="97000"/>
-                  <a:lumOff val="3000"/>
-                </a:schemeClr>
-              </a:gs>
-              <a:gs pos="100000">
-                <a:schemeClr val="accent5">
-                  <a:lumMod val="60000"/>
-                  <a:lumOff val="40000"/>
-                </a:schemeClr>
-              </a:gs>
-            </a:gsLst>
-            <a:lin ang="16200000" scaled="1"/>
-            <a:tileRect/>
-          </a:gradFill>
-          <a:ln>
-            <a:noFill/>
-          </a:ln>
-        </p:spPr>
-        <p:style>
-          <a:lnRef idx="0">
-            <a:scrgbClr r="0" g="0" b="0"/>
-          </a:lnRef>
-          <a:fillRef idx="0">
-            <a:scrgbClr r="0" g="0" b="0"/>
-          </a:fillRef>
-          <a:effectRef idx="0">
-            <a:scrgbClr r="0" g="0" b="0"/>
-          </a:effectRef>
-          <a:fontRef idx="minor">
-            <a:schemeClr val="lt1"/>
-          </a:fontRef>
-        </p:style>
-        <p:txBody>
-          <a:bodyPr rtlCol="0" anchor="ctr"/>
-          <a:lstStyle/>
-          <a:p>
-            <a:pPr algn="ctr"/>
-            <a:r>
-              <a:rPr lang="zh-CN" altLang="en-US" sz="2600" dirty="0"/>
-              <a:t>框架设计</a:t>
-            </a:r>
-          </a:p>
-        </p:txBody>
-      </p:sp>
-    </p:spTree>
-    <p:extLst>
-      <p:ext uri="{BB962C8B-B14F-4D97-AF65-F5344CB8AC3E}">
-        <p14:creationId xmlns:p14="http://schemas.microsoft.com/office/powerpoint/2010/main" val="837885425"/>
-      </p:ext>
-    </p:extLst>
-  </p:cSld>
-  <p:clrMapOvr>
-    <a:masterClrMapping/>
-  </p:clrMapOvr>
-</p:sld>
-</file>
-
-<file path=ppt/slides/slide9.xml><?xml version="1.0" encoding="utf-8"?>
-<p:sld xmlns:a="http://schemas.openxmlformats.org/drawingml/2006/main" xmlns:r="http://schemas.openxmlformats.org/officeDocument/2006/relationships" xmlns:p="http://schemas.openxmlformats.org/presentationml/2006/main">
-  <p:cSld>
-    <p:spTree>
-      <p:nvGrpSpPr>
-        <p:cNvPr id="1" name=""/>
-        <p:cNvGrpSpPr/>
-        <p:nvPr/>
-      </p:nvGrpSpPr>
-      <p:grpSpPr>
-        <a:xfrm>
-          <a:off x="0" y="0"/>
-          <a:ext cx="0" cy="0"/>
-          <a:chOff x="0" y="0"/>
-          <a:chExt cx="0" cy="0"/>
-        </a:xfrm>
-      </p:grpSpPr>
-      <p:sp>
-        <p:nvSpPr>
-          <p:cNvPr id="2" name="流程图: 文档 1">
-            <a:extLst>
-              <a:ext uri="{FF2B5EF4-FFF2-40B4-BE49-F238E27FC236}">
-                <a16:creationId xmlns:a16="http://schemas.microsoft.com/office/drawing/2014/main" id="{E7F3B460-7E03-45E9-B468-FABC6096DA22}"/>
-              </a:ext>
-            </a:extLst>
-          </p:cNvPr>
-          <p:cNvSpPr/>
-          <p:nvPr/>
-        </p:nvSpPr>
-        <p:spPr>
-          <a:xfrm>
-            <a:off x="204280" y="204281"/>
-            <a:ext cx="1118681" cy="1079770"/>
-          </a:xfrm>
-          <a:prstGeom prst="flowChartDocument">
-            <a:avLst/>
-          </a:prstGeom>
-          <a:gradFill flip="none" rotWithShape="1">
-            <a:gsLst>
-              <a:gs pos="0">
-                <a:schemeClr val="accent5">
-                  <a:lumMod val="67000"/>
-                </a:schemeClr>
-              </a:gs>
-              <a:gs pos="48000">
-                <a:schemeClr val="accent5">
-                  <a:lumMod val="97000"/>
-                  <a:lumOff val="3000"/>
-                </a:schemeClr>
-              </a:gs>
-              <a:gs pos="100000">
-                <a:schemeClr val="accent5">
-                  <a:lumMod val="60000"/>
-                  <a:lumOff val="40000"/>
-                </a:schemeClr>
-              </a:gs>
-            </a:gsLst>
-            <a:lin ang="16200000" scaled="1"/>
-            <a:tileRect/>
-          </a:gradFill>
-          <a:ln>
-            <a:noFill/>
-          </a:ln>
-        </p:spPr>
-        <p:style>
-          <a:lnRef idx="0">
-            <a:scrgbClr r="0" g="0" b="0"/>
-          </a:lnRef>
-          <a:fillRef idx="0">
-            <a:scrgbClr r="0" g="0" b="0"/>
-          </a:fillRef>
-          <a:effectRef idx="0">
-            <a:scrgbClr r="0" g="0" b="0"/>
-          </a:effectRef>
-          <a:fontRef idx="minor">
-            <a:schemeClr val="lt1"/>
-          </a:fontRef>
-        </p:style>
-        <p:txBody>
-          <a:bodyPr rtlCol="0" anchor="ctr"/>
-          <a:lstStyle/>
-          <a:p>
-            <a:pPr algn="ctr"/>
-            <a:r>
-              <a:rPr lang="zh-CN" altLang="en-US" sz="2600" dirty="0"/>
-              <a:t>框架设计</a:t>
-            </a:r>
-          </a:p>
-        </p:txBody>
-      </p:sp>
-      <p:sp>
-        <p:nvSpPr>
-          <p:cNvPr id="5" name="箭头: 右 4">
-            <a:extLst>
-              <a:ext uri="{FF2B5EF4-FFF2-40B4-BE49-F238E27FC236}">
-                <a16:creationId xmlns:a16="http://schemas.microsoft.com/office/drawing/2014/main" id="{1F1594AC-E28F-4B7C-AA47-DB6352E056D5}"/>
-              </a:ext>
-            </a:extLst>
-          </p:cNvPr>
-          <p:cNvSpPr/>
-          <p:nvPr/>
-        </p:nvSpPr>
-        <p:spPr>
-          <a:xfrm>
-            <a:off x="1937132" y="204281"/>
-            <a:ext cx="9173184" cy="890081"/>
-          </a:xfrm>
-          <a:prstGeom prst="rightArrow">
-            <a:avLst/>
-          </a:prstGeom>
-        </p:spPr>
-        <p:style>
-          <a:lnRef idx="2">
-            <a:schemeClr val="accent2"/>
-          </a:lnRef>
-          <a:fillRef idx="1">
-            <a:schemeClr val="lt1"/>
-          </a:fillRef>
-          <a:effectRef idx="0">
-            <a:schemeClr val="accent2"/>
-          </a:effectRef>
-          <a:fontRef idx="minor">
-            <a:schemeClr val="dk1"/>
-          </a:fontRef>
-        </p:style>
-        <p:txBody>
-          <a:bodyPr rtlCol="0" anchor="ctr"/>
-          <a:lstStyle/>
-          <a:p>
-            <a:pPr algn="ctr"/>
-            <a:r>
-              <a:rPr lang="zh-CN" altLang="en-US" sz="2400" dirty="0">
-                <a:solidFill>
-                  <a:srgbClr val="C00000"/>
-                </a:solidFill>
-                <a:latin typeface="微软雅黑" panose="020B0503020204020204" pitchFamily="34" charset="-122"/>
-                <a:ea typeface="微软雅黑" panose="020B0503020204020204" pitchFamily="34" charset="-122"/>
-              </a:rPr>
-              <a:t>框架搭建</a:t>
-            </a:r>
-          </a:p>
-        </p:txBody>
-      </p:sp>
-      <p:graphicFrame>
-        <p:nvGraphicFramePr>
-          <p:cNvPr id="3" name="图示 2">
-            <a:extLst>
-              <a:ext uri="{FF2B5EF4-FFF2-40B4-BE49-F238E27FC236}">
-                <a16:creationId xmlns:a16="http://schemas.microsoft.com/office/drawing/2014/main" id="{B3D04035-4D9A-47CA-ABF5-E9B6C3605D27}"/>
-              </a:ext>
-            </a:extLst>
-          </p:cNvPr>
-          <p:cNvGraphicFramePr/>
-          <p:nvPr>
-            <p:extLst>
-              <p:ext uri="{D42A27DB-BD31-4B8C-83A1-F6EECF244321}">
-                <p14:modId xmlns:p14="http://schemas.microsoft.com/office/powerpoint/2010/main" val="4184595818"/>
-              </p:ext>
-            </p:extLst>
-          </p:nvPr>
-        </p:nvGraphicFramePr>
-        <p:xfrm>
-          <a:off x="2213232" y="1094362"/>
-          <a:ext cx="8128000" cy="5418667"/>
-        </p:xfrm>
-        <a:graphic>
-          <a:graphicData uri="http://schemas.openxmlformats.org/drawingml/2006/diagram">
-            <dgm:relIds xmlns:dgm="http://schemas.openxmlformats.org/drawingml/2006/diagram" xmlns:r="http://schemas.openxmlformats.org/officeDocument/2006/relationships" r:dm="rId2" r:lo="rId3" r:qs="rId4" r:cs="rId5"/>
-          </a:graphicData>
-        </a:graphic>
-      </p:graphicFrame>
-    </p:spTree>
-    <p:extLst>
-      <p:ext uri="{BB962C8B-B14F-4D97-AF65-F5344CB8AC3E}">
-        <p14:creationId xmlns:p14="http://schemas.microsoft.com/office/powerpoint/2010/main" val="3482395862"/>
       </p:ext>
     </p:extLst>
   </p:cSld>
